--- a/Question5/Question5ppt.pptx
+++ b/Question5/Question5ppt.pptx
@@ -1,8 +1,8 @@
 
 <file path=ppt/presentation.xml><?xml version="1.0" encoding="utf-8"?>
-<p:presentation xmlns:a="http://schemas.openxmlformats.org/drawingml/2006/main" xmlns:p="http://schemas.openxmlformats.org/presentationml/2006/main" xmlns:r="http://schemas.openxmlformats.org/officeDocument/2006/relationships" autoCompressPictures="0" saveSubsetFonts="1">
+<p:presentation xmlns:a="http://schemas.openxmlformats.org/drawingml/2006/main" xmlns:p="http://schemas.openxmlformats.org/presentationml/2006/main" xmlns:r="http://schemas.openxmlformats.org/officeDocument/2006/relationships" saveSubsetFonts="1">
   <p:sldMasterIdLst>
-    <p:sldMasterId id="2147483648" r:id="rId1"/>
+    <p:sldMasterId id="2147483708" r:id="rId1"/>
   </p:sldMasterIdLst>
   <p:sldIdLst>
     <p:sldId id="256" r:id="rId2"/>
@@ -10,8 +10,12 @@
     <p:sldId id="258" r:id="rId4"/>
     <p:sldId id="259" r:id="rId5"/>
     <p:sldId id="260" r:id="rId6"/>
+    <p:sldId id="261" r:id="rId7"/>
+    <p:sldId id="262" r:id="rId8"/>
+    <p:sldId id="263" r:id="rId9"/>
+    <p:sldId id="264" r:id="rId10"/>
   </p:sldIdLst>
-  <p:sldSz cx="9144000" cy="5143500" type="screen16x9"/>
+  <p:sldSz cx="12192000" cy="6858000"/>
   <p:notesSz cx="6858000" cy="9144000"/>
   <p:defaultTextStyle>
     <a:defPPr>
@@ -108,22 +112,6 @@
       </a:defRPr>
     </a:lvl9pPr>
   </p:defaultTextStyle>
-  <p:extLst>
-    <p:ext uri="{EFAFB233-063F-42B5-8137-9DF3F51BA10A}">
-      <p15:sldGuideLst xmlns:p15="http://schemas.microsoft.com/office/powerpoint/2012/main">
-        <p15:guide id="1" orient="horz" pos="1620" userDrawn="1">
-          <p15:clr>
-            <a:srgbClr val="A4A3A4"/>
-          </p15:clr>
-        </p15:guide>
-        <p15:guide id="2" pos="2880" userDrawn="1">
-          <p15:clr>
-            <a:srgbClr val="A4A3A4"/>
-          </p15:clr>
-        </p15:guide>
-      </p15:sldGuideLst>
-    </p:ext>
-  </p:extLst>
 </p:presentation>
 </file>
 
@@ -146,28 +134,99 @@
       </p:grpSpPr>
       <p:sp>
         <p:nvSpPr>
-          <p:cNvPr id="2" name="Title 1"/>
-          <p:cNvSpPr>
-            <a:spLocks noGrp="1"/>
-          </p:cNvSpPr>
-          <p:nvPr>
-            <p:ph type="ctrTitle"/>
-          </p:nvPr>
+          <p:cNvPr id="7" name="Rectangle 6"/>
+          <p:cNvSpPr>
+            <a:spLocks noChangeAspect="1"/>
+          </p:cNvSpPr>
+          <p:nvPr/>
         </p:nvSpPr>
         <p:spPr>
           <a:xfrm>
-            <a:off x="685800" y="1597819"/>
-            <a:ext cx="7772400" cy="1102519"/>
+            <a:off x="231140" y="243840"/>
+            <a:ext cx="11724640" cy="6377939"/>
+          </a:xfrm>
+          <a:prstGeom prst="rect">
+            <a:avLst/>
+          </a:prstGeom>
+          <a:solidFill>
+            <a:schemeClr val="bg1"/>
+          </a:solidFill>
+          <a:ln w="12700">
+            <a:solidFill>
+              <a:srgbClr val="FFFFFF"/>
+            </a:solidFill>
+          </a:ln>
+        </p:spPr>
+        <p:style>
+          <a:lnRef idx="2">
+            <a:schemeClr val="accent1">
+              <a:shade val="50000"/>
+            </a:schemeClr>
+          </a:lnRef>
+          <a:fillRef idx="1">
+            <a:schemeClr val="accent1"/>
+          </a:fillRef>
+          <a:effectRef idx="0">
+            <a:schemeClr val="accent1"/>
+          </a:effectRef>
+          <a:fontRef idx="minor">
+            <a:schemeClr val="lt1"/>
+          </a:fontRef>
+        </p:style>
+      </p:sp>
+      <p:sp>
+        <p:nvSpPr>
+          <p:cNvPr id="2" name="Title 1"/>
+          <p:cNvSpPr>
+            <a:spLocks noGrp="1"/>
+          </p:cNvSpPr>
+          <p:nvPr>
+            <p:ph type="ctrTitle"/>
+          </p:nvPr>
+        </p:nvSpPr>
+        <p:spPr>
+          <a:xfrm>
+            <a:off x="1109980" y="882376"/>
+            <a:ext cx="9966960" cy="2926080"/>
           </a:xfrm>
         </p:spPr>
         <p:txBody>
-          <a:bodyPr/>
-          <a:lstStyle/>
+          <a:bodyPr anchor="b">
+            <a:normAutofit/>
+          </a:bodyPr>
+          <a:lstStyle>
+            <a:lvl1pPr algn="ctr">
+              <a:lnSpc>
+                <a:spcPct val="85000"/>
+              </a:lnSpc>
+              <a:defRPr kumimoji="0" lang="en-US" sz="7200" b="1" i="0" u="none" strike="noStrike" kern="1200" cap="all" spc="0" normalizeH="0" baseline="0" dirty="0">
+                <a:ln w="15875">
+                  <a:solidFill>
+                    <a:sysClr val="window" lastClr="FFFFFF"/>
+                  </a:solidFill>
+                </a:ln>
+                <a:solidFill>
+                  <a:srgbClr val="DF5327"/>
+                </a:solidFill>
+                <a:effectLst>
+                  <a:outerShdw dist="38100" dir="2700000" algn="tl" rotWithShape="0">
+                    <a:srgbClr val="DF5327"/>
+                  </a:outerShdw>
+                </a:effectLst>
+                <a:uLnTx/>
+                <a:uFillTx/>
+                <a:latin typeface="+mj-lt"/>
+                <a:ea typeface="+mn-ea"/>
+                <a:cs typeface="+mn-cs"/>
+              </a:defRPr>
+            </a:lvl1pPr>
+          </a:lstStyle>
           <a:p>
             <a:r>
               <a:rPr lang="en-US"/>
               <a:t>Click to edit Master title style</a:t>
             </a:r>
+            <a:endParaRPr lang="en-US" dirty="0"/>
           </a:p>
         </p:txBody>
       </p:sp>
@@ -183,181 +242,193 @@
         </p:nvSpPr>
         <p:spPr>
           <a:xfrm>
-            <a:off x="1371600" y="2914650"/>
-            <a:ext cx="6400800" cy="1314450"/>
+            <a:off x="1709530" y="3869634"/>
+            <a:ext cx="8767860" cy="1388165"/>
           </a:xfrm>
         </p:spPr>
         <p:txBody>
-          <a:bodyPr/>
+          <a:bodyPr>
+            <a:normAutofit/>
+          </a:bodyPr>
           <a:lstStyle>
             <a:lvl1pPr marL="0" indent="0" algn="ctr">
               <a:buNone/>
-              <a:defRPr>
+              <a:defRPr sz="2200">
                 <a:solidFill>
-                  <a:schemeClr val="tx1">
-                    <a:tint val="75000"/>
-                  </a:schemeClr>
+                  <a:schemeClr val="accent1"/>
                 </a:solidFill>
               </a:defRPr>
             </a:lvl1pPr>
-            <a:lvl2pPr marL="342900" indent="0" algn="ctr">
-              <a:buNone/>
+            <a:lvl2pPr marL="457200" indent="0" algn="ctr">
+              <a:buNone/>
+              <a:defRPr sz="2200"/>
+            </a:lvl2pPr>
+            <a:lvl3pPr marL="914400" indent="0" algn="ctr">
+              <a:buNone/>
+              <a:defRPr sz="2200"/>
+            </a:lvl3pPr>
+            <a:lvl4pPr marL="1371600" indent="0" algn="ctr">
+              <a:buNone/>
+              <a:defRPr sz="2000"/>
+            </a:lvl4pPr>
+            <a:lvl5pPr marL="1828800" indent="0" algn="ctr">
+              <a:buNone/>
+              <a:defRPr sz="2000"/>
+            </a:lvl5pPr>
+            <a:lvl6pPr marL="2286000" indent="0" algn="ctr">
+              <a:buNone/>
+              <a:defRPr sz="2000"/>
+            </a:lvl6pPr>
+            <a:lvl7pPr marL="2743200" indent="0" algn="ctr">
+              <a:buNone/>
+              <a:defRPr sz="2000"/>
+            </a:lvl7pPr>
+            <a:lvl8pPr marL="3200400" indent="0" algn="ctr">
+              <a:buNone/>
+              <a:defRPr sz="2000"/>
+            </a:lvl8pPr>
+            <a:lvl9pPr marL="3657600" indent="0" algn="ctr">
+              <a:buNone/>
+              <a:defRPr sz="2000"/>
+            </a:lvl9pPr>
+          </a:lstStyle>
+          <a:p>
+            <a:r>
+              <a:rPr lang="en-US"/>
+              <a:t>Click to edit Master subtitle style</a:t>
+            </a:r>
+            <a:endParaRPr lang="en-US" dirty="0"/>
+          </a:p>
+        </p:txBody>
+      </p:sp>
+      <p:sp>
+        <p:nvSpPr>
+          <p:cNvPr id="4" name="Date Placeholder 3"/>
+          <p:cNvSpPr>
+            <a:spLocks noGrp="1"/>
+          </p:cNvSpPr>
+          <p:nvPr>
+            <p:ph type="dt" sz="half" idx="10"/>
+          </p:nvPr>
+        </p:nvSpPr>
+        <p:spPr/>
+        <p:txBody>
+          <a:bodyPr/>
+          <a:lstStyle>
+            <a:lvl1pPr>
               <a:defRPr>
                 <a:solidFill>
-                  <a:schemeClr val="tx1">
-                    <a:tint val="75000"/>
-                  </a:schemeClr>
+                  <a:schemeClr val="accent1"/>
                 </a:solidFill>
               </a:defRPr>
-            </a:lvl2pPr>
-            <a:lvl3pPr marL="685800" indent="0" algn="ctr">
-              <a:buNone/>
+            </a:lvl1pPr>
+          </a:lstStyle>
+          <a:p>
+            <a:fld id="{9083B048-925F-49FF-A9F3-366F3EC5EF71}" type="datetimeFigureOut">
+              <a:rPr lang="en-ZA" smtClean="0"/>
+              <a:t>2025/06/18</a:t>
+            </a:fld>
+            <a:endParaRPr lang="en-ZA"/>
+          </a:p>
+        </p:txBody>
+      </p:sp>
+      <p:sp>
+        <p:nvSpPr>
+          <p:cNvPr id="5" name="Footer Placeholder 4"/>
+          <p:cNvSpPr>
+            <a:spLocks noGrp="1"/>
+          </p:cNvSpPr>
+          <p:nvPr>
+            <p:ph type="ftr" sz="quarter" idx="11"/>
+          </p:nvPr>
+        </p:nvSpPr>
+        <p:spPr/>
+        <p:txBody>
+          <a:bodyPr/>
+          <a:lstStyle>
+            <a:lvl1pPr>
               <a:defRPr>
                 <a:solidFill>
-                  <a:schemeClr val="tx1">
-                    <a:tint val="75000"/>
-                  </a:schemeClr>
+                  <a:schemeClr val="accent1"/>
                 </a:solidFill>
               </a:defRPr>
-            </a:lvl3pPr>
-            <a:lvl4pPr marL="1028700" indent="0" algn="ctr">
-              <a:buNone/>
+            </a:lvl1pPr>
+          </a:lstStyle>
+          <a:p>
+            <a:endParaRPr lang="en-ZA"/>
+          </a:p>
+        </p:txBody>
+      </p:sp>
+      <p:sp>
+        <p:nvSpPr>
+          <p:cNvPr id="6" name="Slide Number Placeholder 5"/>
+          <p:cNvSpPr>
+            <a:spLocks noGrp="1"/>
+          </p:cNvSpPr>
+          <p:nvPr>
+            <p:ph type="sldNum" sz="quarter" idx="12"/>
+          </p:nvPr>
+        </p:nvSpPr>
+        <p:spPr/>
+        <p:txBody>
+          <a:bodyPr/>
+          <a:lstStyle>
+            <a:lvl1pPr>
               <a:defRPr>
                 <a:solidFill>
-                  <a:schemeClr val="tx1">
-                    <a:tint val="75000"/>
-                  </a:schemeClr>
+                  <a:schemeClr val="accent1"/>
                 </a:solidFill>
               </a:defRPr>
-            </a:lvl4pPr>
-            <a:lvl5pPr marL="1371600" indent="0" algn="ctr">
-              <a:buNone/>
-              <a:defRPr>
-                <a:solidFill>
-                  <a:schemeClr val="tx1">
-                    <a:tint val="75000"/>
-                  </a:schemeClr>
-                </a:solidFill>
-              </a:defRPr>
-            </a:lvl5pPr>
-            <a:lvl6pPr marL="1714500" indent="0" algn="ctr">
-              <a:buNone/>
-              <a:defRPr>
-                <a:solidFill>
-                  <a:schemeClr val="tx1">
-                    <a:tint val="75000"/>
-                  </a:schemeClr>
-                </a:solidFill>
-              </a:defRPr>
-            </a:lvl6pPr>
-            <a:lvl7pPr marL="2057400" indent="0" algn="ctr">
-              <a:buNone/>
-              <a:defRPr>
-                <a:solidFill>
-                  <a:schemeClr val="tx1">
-                    <a:tint val="75000"/>
-                  </a:schemeClr>
-                </a:solidFill>
-              </a:defRPr>
-            </a:lvl7pPr>
-            <a:lvl8pPr marL="2400300" indent="0" algn="ctr">
-              <a:buNone/>
-              <a:defRPr>
-                <a:solidFill>
-                  <a:schemeClr val="tx1">
-                    <a:tint val="75000"/>
-                  </a:schemeClr>
-                </a:solidFill>
-              </a:defRPr>
-            </a:lvl8pPr>
-            <a:lvl9pPr marL="2743200" indent="0" algn="ctr">
-              <a:buNone/>
-              <a:defRPr>
-                <a:solidFill>
-                  <a:schemeClr val="tx1">
-                    <a:tint val="75000"/>
-                  </a:schemeClr>
-                </a:solidFill>
-              </a:defRPr>
-            </a:lvl9pPr>
+            </a:lvl1pPr>
           </a:lstStyle>
           <a:p>
-            <a:r>
-              <a:rPr lang="en-US"/>
-              <a:t>Click to edit Master subtitle style</a:t>
-            </a:r>
-          </a:p>
-        </p:txBody>
-      </p:sp>
-      <p:sp>
-        <p:nvSpPr>
-          <p:cNvPr id="4" name="Date Placeholder 3"/>
-          <p:cNvSpPr>
-            <a:spLocks noGrp="1"/>
-          </p:cNvSpPr>
-          <p:nvPr>
-            <p:ph type="dt" sz="half" idx="10"/>
-          </p:nvPr>
-        </p:nvSpPr>
-        <p:spPr/>
-        <p:txBody>
-          <a:bodyPr/>
-          <a:lstStyle/>
-          <a:p>
-            <a:fld id="{241EB5C9-1307-BA42-ABA2-0BC069CD8E7F}" type="datetimeFigureOut">
-              <a:rPr lang="en-US" smtClean="0"/>
-              <a:t>1/2/22</a:t>
-            </a:fld>
-            <a:endParaRPr lang="en-US"/>
-          </a:p>
-        </p:txBody>
-      </p:sp>
-      <p:sp>
-        <p:nvSpPr>
-          <p:cNvPr id="5" name="Footer Placeholder 4"/>
-          <p:cNvSpPr>
-            <a:spLocks noGrp="1"/>
-          </p:cNvSpPr>
-          <p:nvPr>
-            <p:ph type="ftr" sz="quarter" idx="11"/>
-          </p:nvPr>
-        </p:nvSpPr>
-        <p:spPr/>
-        <p:txBody>
-          <a:bodyPr/>
-          <a:lstStyle/>
-          <a:p>
-            <a:endParaRPr lang="en-US"/>
-          </a:p>
-        </p:txBody>
-      </p:sp>
-      <p:sp>
-        <p:nvSpPr>
-          <p:cNvPr id="6" name="Slide Number Placeholder 5"/>
-          <p:cNvSpPr>
-            <a:spLocks noGrp="1"/>
-          </p:cNvSpPr>
-          <p:nvPr>
-            <p:ph type="sldNum" sz="quarter" idx="12"/>
-          </p:nvPr>
-        </p:nvSpPr>
-        <p:spPr/>
-        <p:txBody>
-          <a:bodyPr/>
-          <a:lstStyle/>
-          <a:p>
-            <a:fld id="{C5EF2332-01BF-834F-8236-50238282D533}" type="slidenum">
-              <a:rPr lang="en-US" smtClean="0"/>
+            <a:fld id="{A6DA7E1B-D9E7-4CFC-9D1A-552D05D3E0E8}" type="slidenum">
+              <a:rPr lang="en-ZA" smtClean="0"/>
               <a:t>‹#›</a:t>
             </a:fld>
-            <a:endParaRPr lang="en-US"/>
-          </a:p>
-        </p:txBody>
-      </p:sp>
+            <a:endParaRPr lang="en-ZA"/>
+          </a:p>
+        </p:txBody>
+      </p:sp>
+      <p:cxnSp>
+        <p:nvCxnSpPr>
+          <p:cNvPr id="8" name="Straight Connector 7"/>
+          <p:cNvCxnSpPr/>
+          <p:nvPr/>
+        </p:nvCxnSpPr>
+        <p:spPr>
+          <a:xfrm>
+            <a:off x="1978660" y="3733800"/>
+            <a:ext cx="8229601" cy="0"/>
+          </a:xfrm>
+          <a:prstGeom prst="line">
+            <a:avLst/>
+          </a:prstGeom>
+          <a:ln>
+            <a:solidFill>
+              <a:schemeClr val="accent1"/>
+            </a:solidFill>
+          </a:ln>
+        </p:spPr>
+        <p:style>
+          <a:lnRef idx="1">
+            <a:schemeClr val="accent1"/>
+          </a:lnRef>
+          <a:fillRef idx="0">
+            <a:schemeClr val="accent1"/>
+          </a:fillRef>
+          <a:effectRef idx="0">
+            <a:schemeClr val="accent1"/>
+          </a:effectRef>
+          <a:fontRef idx="minor">
+            <a:schemeClr val="tx1"/>
+          </a:fontRef>
+        </p:style>
+      </p:cxnSp>
     </p:spTree>
     <p:extLst>
       <p:ext uri="{BB962C8B-B14F-4D97-AF65-F5344CB8AC3E}">
-        <p14:creationId xmlns:p14="http://schemas.microsoft.com/office/powerpoint/2010/main" val="1444357513"/>
+        <p14:creationId xmlns:p14="http://schemas.microsoft.com/office/powerpoint/2010/main" val="1217975389"/>
       </p:ext>
     </p:extLst>
   </p:cSld>
@@ -403,6 +474,7 @@
               <a:rPr lang="en-US"/>
               <a:t>Click to edit Master title style</a:t>
             </a:r>
+            <a:endParaRPr lang="en-US" dirty="0"/>
           </a:p>
         </p:txBody>
       </p:sp>
@@ -454,6 +526,7 @@
               <a:rPr lang="en-US"/>
               <a:t>Fifth level</a:t>
             </a:r>
+            <a:endParaRPr lang="en-US" dirty="0"/>
           </a:p>
         </p:txBody>
       </p:sp>
@@ -472,11 +545,11 @@
           <a:bodyPr/>
           <a:lstStyle/>
           <a:p>
-            <a:fld id="{241EB5C9-1307-BA42-ABA2-0BC069CD8E7F}" type="datetimeFigureOut">
-              <a:rPr lang="en-US" smtClean="0"/>
-              <a:t>1/2/22</a:t>
+            <a:fld id="{9083B048-925F-49FF-A9F3-366F3EC5EF71}" type="datetimeFigureOut">
+              <a:rPr lang="en-ZA" smtClean="0"/>
+              <a:t>2025/06/18</a:t>
             </a:fld>
-            <a:endParaRPr lang="en-US"/>
+            <a:endParaRPr lang="en-ZA"/>
           </a:p>
         </p:txBody>
       </p:sp>
@@ -495,7 +568,7 @@
           <a:bodyPr/>
           <a:lstStyle/>
           <a:p>
-            <a:endParaRPr lang="en-US"/>
+            <a:endParaRPr lang="en-ZA"/>
           </a:p>
         </p:txBody>
       </p:sp>
@@ -514,18 +587,18 @@
           <a:bodyPr/>
           <a:lstStyle/>
           <a:p>
-            <a:fld id="{C5EF2332-01BF-834F-8236-50238282D533}" type="slidenum">
-              <a:rPr lang="en-US" smtClean="0"/>
+            <a:fld id="{A6DA7E1B-D9E7-4CFC-9D1A-552D05D3E0E8}" type="slidenum">
+              <a:rPr lang="en-ZA" smtClean="0"/>
               <a:t>‹#›</a:t>
             </a:fld>
-            <a:endParaRPr lang="en-US"/>
+            <a:endParaRPr lang="en-ZA"/>
           </a:p>
         </p:txBody>
       </p:sp>
     </p:spTree>
     <p:extLst>
       <p:ext uri="{BB962C8B-B14F-4D97-AF65-F5344CB8AC3E}">
-        <p14:creationId xmlns:p14="http://schemas.microsoft.com/office/powerpoint/2010/main" val="313914798"/>
+        <p14:creationId xmlns:p14="http://schemas.microsoft.com/office/powerpoint/2010/main" val="1865156735"/>
       </p:ext>
     </p:extLst>
   </p:cSld>
@@ -564,8 +637,8 @@
         </p:nvSpPr>
         <p:spPr>
           <a:xfrm>
-            <a:off x="6629400" y="205979"/>
-            <a:ext cx="2057400" cy="4388644"/>
+            <a:off x="8724900" y="762000"/>
+            <a:ext cx="2324100" cy="5410200"/>
           </a:xfrm>
         </p:spPr>
         <p:txBody>
@@ -576,6 +649,7 @@
               <a:rPr lang="en-US"/>
               <a:t>Click to edit Master title style</a:t>
             </a:r>
+            <a:endParaRPr lang="en-US" dirty="0"/>
           </a:p>
         </p:txBody>
       </p:sp>
@@ -591,8 +665,8 @@
         </p:nvSpPr>
         <p:spPr>
           <a:xfrm>
-            <a:off x="457200" y="205979"/>
-            <a:ext cx="6019800" cy="4388644"/>
+            <a:off x="1143000" y="762000"/>
+            <a:ext cx="7429500" cy="5410200"/>
           </a:xfrm>
         </p:spPr>
         <p:txBody>
@@ -632,6 +706,7 @@
               <a:rPr lang="en-US"/>
               <a:t>Fifth level</a:t>
             </a:r>
+            <a:endParaRPr lang="en-US" dirty="0"/>
           </a:p>
         </p:txBody>
       </p:sp>
@@ -650,11 +725,11 @@
           <a:bodyPr/>
           <a:lstStyle/>
           <a:p>
-            <a:fld id="{241EB5C9-1307-BA42-ABA2-0BC069CD8E7F}" type="datetimeFigureOut">
-              <a:rPr lang="en-US" smtClean="0"/>
-              <a:t>1/2/22</a:t>
+            <a:fld id="{9083B048-925F-49FF-A9F3-366F3EC5EF71}" type="datetimeFigureOut">
+              <a:rPr lang="en-ZA" smtClean="0"/>
+              <a:t>2025/06/18</a:t>
             </a:fld>
-            <a:endParaRPr lang="en-US"/>
+            <a:endParaRPr lang="en-ZA"/>
           </a:p>
         </p:txBody>
       </p:sp>
@@ -673,7 +748,7 @@
           <a:bodyPr/>
           <a:lstStyle/>
           <a:p>
-            <a:endParaRPr lang="en-US"/>
+            <a:endParaRPr lang="en-ZA"/>
           </a:p>
         </p:txBody>
       </p:sp>
@@ -692,18 +767,18 @@
           <a:bodyPr/>
           <a:lstStyle/>
           <a:p>
-            <a:fld id="{C5EF2332-01BF-834F-8236-50238282D533}" type="slidenum">
-              <a:rPr lang="en-US" smtClean="0"/>
+            <a:fld id="{A6DA7E1B-D9E7-4CFC-9D1A-552D05D3E0E8}" type="slidenum">
+              <a:rPr lang="en-ZA" smtClean="0"/>
               <a:t>‹#›</a:t>
             </a:fld>
-            <a:endParaRPr lang="en-US"/>
+            <a:endParaRPr lang="en-ZA"/>
           </a:p>
         </p:txBody>
       </p:sp>
     </p:spTree>
     <p:extLst>
       <p:ext uri="{BB962C8B-B14F-4D97-AF65-F5344CB8AC3E}">
-        <p14:creationId xmlns:p14="http://schemas.microsoft.com/office/powerpoint/2010/main" val="2581529045"/>
+        <p14:creationId xmlns:p14="http://schemas.microsoft.com/office/powerpoint/2010/main" val="3845599401"/>
       </p:ext>
     </p:extLst>
   </p:cSld>
@@ -749,6 +824,7 @@
               <a:rPr lang="en-US"/>
               <a:t>Click to edit Master title style</a:t>
             </a:r>
+            <a:endParaRPr lang="en-US" dirty="0"/>
           </a:p>
         </p:txBody>
       </p:sp>
@@ -800,6 +876,7 @@
               <a:rPr lang="en-US"/>
               <a:t>Fifth level</a:t>
             </a:r>
+            <a:endParaRPr lang="en-US" dirty="0"/>
           </a:p>
         </p:txBody>
       </p:sp>
@@ -818,11 +895,11 @@
           <a:bodyPr/>
           <a:lstStyle/>
           <a:p>
-            <a:fld id="{241EB5C9-1307-BA42-ABA2-0BC069CD8E7F}" type="datetimeFigureOut">
-              <a:rPr lang="en-US" smtClean="0"/>
-              <a:t>1/2/22</a:t>
+            <a:fld id="{9083B048-925F-49FF-A9F3-366F3EC5EF71}" type="datetimeFigureOut">
+              <a:rPr lang="en-ZA" smtClean="0"/>
+              <a:t>2025/06/18</a:t>
             </a:fld>
-            <a:endParaRPr lang="en-US"/>
+            <a:endParaRPr lang="en-ZA"/>
           </a:p>
         </p:txBody>
       </p:sp>
@@ -841,7 +918,7 @@
           <a:bodyPr/>
           <a:lstStyle/>
           <a:p>
-            <a:endParaRPr lang="en-US"/>
+            <a:endParaRPr lang="en-ZA"/>
           </a:p>
         </p:txBody>
       </p:sp>
@@ -860,18 +937,18 @@
           <a:bodyPr/>
           <a:lstStyle/>
           <a:p>
-            <a:fld id="{C5EF2332-01BF-834F-8236-50238282D533}" type="slidenum">
-              <a:rPr lang="en-US" smtClean="0"/>
+            <a:fld id="{A6DA7E1B-D9E7-4CFC-9D1A-552D05D3E0E8}" type="slidenum">
+              <a:rPr lang="en-ZA" smtClean="0"/>
               <a:t>‹#›</a:t>
             </a:fld>
-            <a:endParaRPr lang="en-US"/>
+            <a:endParaRPr lang="en-ZA"/>
           </a:p>
         </p:txBody>
       </p:sp>
     </p:spTree>
     <p:extLst>
       <p:ext uri="{BB962C8B-B14F-4D97-AF65-F5344CB8AC3E}">
-        <p14:creationId xmlns:p14="http://schemas.microsoft.com/office/powerpoint/2010/main" val="338346009"/>
+        <p14:creationId xmlns:p14="http://schemas.microsoft.com/office/powerpoint/2010/main" val="1954508463"/>
       </p:ext>
     </p:extLst>
   </p:cSld>
@@ -910,15 +987,43 @@
         </p:nvSpPr>
         <p:spPr>
           <a:xfrm>
-            <a:off x="722313" y="3305176"/>
-            <a:ext cx="7772400" cy="1021556"/>
+            <a:off x="1106424" y="1173575"/>
+            <a:ext cx="9966960" cy="2926080"/>
           </a:xfrm>
         </p:spPr>
         <p:txBody>
-          <a:bodyPr anchor="t"/>
+          <a:bodyPr anchor="b">
+            <a:noAutofit/>
+          </a:bodyPr>
           <a:lstStyle>
-            <a:lvl1pPr algn="l">
-              <a:defRPr sz="3000" b="1" cap="all"/>
+            <a:lvl1pPr marL="0" algn="ctr" defTabSz="914400" rtl="0" eaLnBrk="1" latinLnBrk="0" hangingPunct="1">
+              <a:lnSpc>
+                <a:spcPct val="85000"/>
+              </a:lnSpc>
+              <a:spcBef>
+                <a:spcPct val="0"/>
+              </a:spcBef>
+              <a:buNone/>
+              <a:defRPr kumimoji="0" lang="en-US" sz="7200" b="1" i="0" u="none" strike="noStrike" kern="1200" cap="all" spc="0" normalizeH="0" baseline="0" dirty="0">
+                <a:ln w="15875">
+                  <a:solidFill>
+                    <a:sysClr val="window" lastClr="FFFFFF"/>
+                  </a:solidFill>
+                </a:ln>
+                <a:solidFill>
+                  <a:srgbClr val="DF5327"/>
+                </a:solidFill>
+                <a:effectLst>
+                  <a:outerShdw dist="38100" dir="2700000" algn="tl" rotWithShape="0">
+                    <a:srgbClr val="DF5327"/>
+                  </a:outerShdw>
+                </a:effectLst>
+                <a:uLnTx/>
+                <a:uFillTx/>
+                <a:latin typeface="Corbel" pitchFamily="34" charset="0"/>
+                <a:ea typeface="+mn-ea"/>
+                <a:cs typeface="+mn-cs"/>
+              </a:defRPr>
             </a:lvl1pPr>
           </a:lstStyle>
           <a:p>
@@ -926,6 +1031,7 @@
               <a:rPr lang="en-US"/>
               <a:t>Click to edit Master title style</a:t>
             </a:r>
+            <a:endParaRPr lang="en-US" dirty="0"/>
           </a:p>
         </p:txBody>
       </p:sp>
@@ -941,26 +1047,26 @@
         </p:nvSpPr>
         <p:spPr>
           <a:xfrm>
-            <a:off x="722313" y="2180035"/>
-            <a:ext cx="7772400" cy="1125140"/>
+            <a:off x="1709928" y="4154520"/>
+            <a:ext cx="8769096" cy="1363806"/>
           </a:xfrm>
         </p:spPr>
         <p:txBody>
-          <a:bodyPr anchor="b"/>
+          <a:bodyPr anchor="t">
+            <a:normAutofit/>
+          </a:bodyPr>
           <a:lstStyle>
-            <a:lvl1pPr marL="0" indent="0">
-              <a:buNone/>
-              <a:defRPr sz="1500">
+            <a:lvl1pPr marL="0" indent="0" algn="ctr">
+              <a:buNone/>
+              <a:defRPr sz="2200">
                 <a:solidFill>
-                  <a:schemeClr val="tx1">
-                    <a:tint val="75000"/>
-                  </a:schemeClr>
+                  <a:schemeClr val="accent1"/>
                 </a:solidFill>
               </a:defRPr>
             </a:lvl1pPr>
-            <a:lvl2pPr marL="342900" indent="0">
-              <a:buNone/>
-              <a:defRPr sz="1350">
+            <a:lvl2pPr marL="457200" indent="0">
+              <a:buNone/>
+              <a:defRPr sz="1800">
                 <a:solidFill>
                   <a:schemeClr val="tx1">
                     <a:tint val="75000"/>
@@ -968,9 +1074,9 @@
                 </a:solidFill>
               </a:defRPr>
             </a:lvl2pPr>
-            <a:lvl3pPr marL="685800" indent="0">
-              <a:buNone/>
-              <a:defRPr sz="1200">
+            <a:lvl3pPr marL="914400" indent="0">
+              <a:buNone/>
+              <a:defRPr sz="1600">
                 <a:solidFill>
                   <a:schemeClr val="tx1">
                     <a:tint val="75000"/>
@@ -978,9 +1084,9 @@
                 </a:solidFill>
               </a:defRPr>
             </a:lvl3pPr>
-            <a:lvl4pPr marL="1028700" indent="0">
-              <a:buNone/>
-              <a:defRPr sz="1050">
+            <a:lvl4pPr marL="1371600" indent="0">
+              <a:buNone/>
+              <a:defRPr sz="1400">
                 <a:solidFill>
                   <a:schemeClr val="tx1">
                     <a:tint val="75000"/>
@@ -988,9 +1094,9 @@
                 </a:solidFill>
               </a:defRPr>
             </a:lvl4pPr>
-            <a:lvl5pPr marL="1371600" indent="0">
-              <a:buNone/>
-              <a:defRPr sz="1050">
+            <a:lvl5pPr marL="1828800" indent="0">
+              <a:buNone/>
+              <a:defRPr sz="1400">
                 <a:solidFill>
                   <a:schemeClr val="tx1">
                     <a:tint val="75000"/>
@@ -998,9 +1104,9 @@
                 </a:solidFill>
               </a:defRPr>
             </a:lvl5pPr>
-            <a:lvl6pPr marL="1714500" indent="0">
-              <a:buNone/>
-              <a:defRPr sz="1050">
+            <a:lvl6pPr marL="2286000" indent="0">
+              <a:buNone/>
+              <a:defRPr sz="1400">
                 <a:solidFill>
                   <a:schemeClr val="tx1">
                     <a:tint val="75000"/>
@@ -1008,9 +1114,9 @@
                 </a:solidFill>
               </a:defRPr>
             </a:lvl6pPr>
-            <a:lvl7pPr marL="2057400" indent="0">
-              <a:buNone/>
-              <a:defRPr sz="1050">
+            <a:lvl7pPr marL="2743200" indent="0">
+              <a:buNone/>
+              <a:defRPr sz="1400">
                 <a:solidFill>
                   <a:schemeClr val="tx1">
                     <a:tint val="75000"/>
@@ -1018,9 +1124,9 @@
                 </a:solidFill>
               </a:defRPr>
             </a:lvl7pPr>
-            <a:lvl8pPr marL="2400300" indent="0">
-              <a:buNone/>
-              <a:defRPr sz="1050">
+            <a:lvl8pPr marL="3200400" indent="0">
+              <a:buNone/>
+              <a:defRPr sz="1400">
                 <a:solidFill>
                   <a:schemeClr val="tx1">
                     <a:tint val="75000"/>
@@ -1028,9 +1134,9 @@
                 </a:solidFill>
               </a:defRPr>
             </a:lvl8pPr>
-            <a:lvl9pPr marL="2743200" indent="0">
-              <a:buNone/>
-              <a:defRPr sz="1050">
+            <a:lvl9pPr marL="3657600" indent="0">
+              <a:buNone/>
+              <a:defRPr sz="1400">
                 <a:solidFill>
                   <a:schemeClr val="tx1">
                     <a:tint val="75000"/>
@@ -1063,11 +1169,11 @@
           <a:bodyPr/>
           <a:lstStyle/>
           <a:p>
-            <a:fld id="{241EB5C9-1307-BA42-ABA2-0BC069CD8E7F}" type="datetimeFigureOut">
-              <a:rPr lang="en-US" smtClean="0"/>
-              <a:t>1/2/22</a:t>
+            <a:fld id="{9083B048-925F-49FF-A9F3-366F3EC5EF71}" type="datetimeFigureOut">
+              <a:rPr lang="en-ZA" smtClean="0"/>
+              <a:t>2025/06/18</a:t>
             </a:fld>
-            <a:endParaRPr lang="en-US"/>
+            <a:endParaRPr lang="en-ZA"/>
           </a:p>
         </p:txBody>
       </p:sp>
@@ -1086,7 +1192,7 @@
           <a:bodyPr/>
           <a:lstStyle/>
           <a:p>
-            <a:endParaRPr lang="en-US"/>
+            <a:endParaRPr lang="en-ZA"/>
           </a:p>
         </p:txBody>
       </p:sp>
@@ -1105,18 +1211,53 @@
           <a:bodyPr/>
           <a:lstStyle/>
           <a:p>
-            <a:fld id="{C5EF2332-01BF-834F-8236-50238282D533}" type="slidenum">
-              <a:rPr lang="en-US" smtClean="0"/>
+            <a:fld id="{A6DA7E1B-D9E7-4CFC-9D1A-552D05D3E0E8}" type="slidenum">
+              <a:rPr lang="en-ZA" smtClean="0"/>
               <a:t>‹#›</a:t>
             </a:fld>
-            <a:endParaRPr lang="en-US"/>
-          </a:p>
-        </p:txBody>
-      </p:sp>
+            <a:endParaRPr lang="en-ZA"/>
+          </a:p>
+        </p:txBody>
+      </p:sp>
+      <p:cxnSp>
+        <p:nvCxnSpPr>
+          <p:cNvPr id="7" name="Straight Connector 6"/>
+          <p:cNvCxnSpPr/>
+          <p:nvPr/>
+        </p:nvCxnSpPr>
+        <p:spPr>
+          <a:xfrm>
+            <a:off x="1981200" y="4020408"/>
+            <a:ext cx="8229601" cy="0"/>
+          </a:xfrm>
+          <a:prstGeom prst="line">
+            <a:avLst/>
+          </a:prstGeom>
+          <a:ln>
+            <a:solidFill>
+              <a:schemeClr val="accent1"/>
+            </a:solidFill>
+          </a:ln>
+        </p:spPr>
+        <p:style>
+          <a:lnRef idx="1">
+            <a:schemeClr val="accent1"/>
+          </a:lnRef>
+          <a:fillRef idx="0">
+            <a:schemeClr val="accent1"/>
+          </a:fillRef>
+          <a:effectRef idx="0">
+            <a:schemeClr val="accent1"/>
+          </a:effectRef>
+          <a:fontRef idx="minor">
+            <a:schemeClr val="tx1"/>
+          </a:fontRef>
+        </p:style>
+      </p:cxnSp>
     </p:spTree>
     <p:extLst>
       <p:ext uri="{BB962C8B-B14F-4D97-AF65-F5344CB8AC3E}">
-        <p14:creationId xmlns:p14="http://schemas.microsoft.com/office/powerpoint/2010/main" val="1073069076"/>
+        <p14:creationId xmlns:p14="http://schemas.microsoft.com/office/powerpoint/2010/main" val="1768764575"/>
       </p:ext>
     </p:extLst>
   </p:cSld>
@@ -1145,7 +1286,7 @@
       </p:grpSpPr>
       <p:sp>
         <p:nvSpPr>
-          <p:cNvPr id="2" name="Title 1"/>
+          <p:cNvPr id="8" name="Title 7"/>
           <p:cNvSpPr>
             <a:spLocks noGrp="1"/>
           </p:cNvSpPr>
@@ -1162,6 +1303,7 @@
               <a:rPr lang="en-US"/>
               <a:t>Click to edit Master title style</a:t>
             </a:r>
+            <a:endParaRPr lang="en-US" dirty="0"/>
           </a:p>
         </p:txBody>
       </p:sp>
@@ -1177,39 +1319,39 @@
         </p:nvSpPr>
         <p:spPr>
           <a:xfrm>
-            <a:off x="457200" y="1200151"/>
-            <a:ext cx="4038600" cy="3394472"/>
+            <a:off x="1143000" y="2057399"/>
+            <a:ext cx="4754880" cy="4023360"/>
           </a:xfrm>
         </p:spPr>
         <p:txBody>
           <a:bodyPr/>
           <a:lstStyle>
             <a:lvl1pPr>
-              <a:defRPr sz="2100"/>
+              <a:defRPr sz="2200"/>
             </a:lvl1pPr>
             <a:lvl2pPr>
-              <a:defRPr sz="1800"/>
+              <a:defRPr sz="2000"/>
             </a:lvl2pPr>
             <a:lvl3pPr>
-              <a:defRPr sz="1500"/>
+              <a:defRPr sz="1800"/>
             </a:lvl3pPr>
             <a:lvl4pPr>
-              <a:defRPr sz="1350"/>
+              <a:defRPr sz="1600"/>
             </a:lvl4pPr>
             <a:lvl5pPr>
-              <a:defRPr sz="1350"/>
+              <a:defRPr sz="1600"/>
             </a:lvl5pPr>
             <a:lvl6pPr>
-              <a:defRPr sz="1350"/>
+              <a:defRPr sz="1600"/>
             </a:lvl6pPr>
             <a:lvl7pPr>
-              <a:defRPr sz="1350"/>
+              <a:defRPr sz="1600"/>
             </a:lvl7pPr>
             <a:lvl8pPr>
-              <a:defRPr sz="1350"/>
+              <a:defRPr sz="1600"/>
             </a:lvl8pPr>
             <a:lvl9pPr>
-              <a:defRPr sz="1350"/>
+              <a:defRPr sz="1600"/>
             </a:lvl9pPr>
           </a:lstStyle>
           <a:p>
@@ -1246,6 +1388,7 @@
               <a:rPr lang="en-US"/>
               <a:t>Fifth level</a:t>
             </a:r>
+            <a:endParaRPr lang="en-US" dirty="0"/>
           </a:p>
         </p:txBody>
       </p:sp>
@@ -1261,39 +1404,39 @@
         </p:nvSpPr>
         <p:spPr>
           <a:xfrm>
-            <a:off x="4648200" y="1200151"/>
-            <a:ext cx="4038600" cy="3394472"/>
+            <a:off x="6267612" y="2057400"/>
+            <a:ext cx="4754880" cy="4023360"/>
           </a:xfrm>
         </p:spPr>
         <p:txBody>
           <a:bodyPr/>
           <a:lstStyle>
             <a:lvl1pPr>
-              <a:defRPr sz="2100"/>
+              <a:defRPr sz="2200"/>
             </a:lvl1pPr>
             <a:lvl2pPr>
-              <a:defRPr sz="1800"/>
+              <a:defRPr sz="2000"/>
             </a:lvl2pPr>
             <a:lvl3pPr>
-              <a:defRPr sz="1500"/>
+              <a:defRPr sz="1800"/>
             </a:lvl3pPr>
             <a:lvl4pPr>
-              <a:defRPr sz="1350"/>
+              <a:defRPr sz="1600"/>
             </a:lvl4pPr>
             <a:lvl5pPr>
-              <a:defRPr sz="1350"/>
+              <a:defRPr sz="1600"/>
             </a:lvl5pPr>
             <a:lvl6pPr>
-              <a:defRPr sz="1350"/>
+              <a:defRPr sz="1600"/>
             </a:lvl6pPr>
             <a:lvl7pPr>
-              <a:defRPr sz="1350"/>
+              <a:defRPr sz="1600"/>
             </a:lvl7pPr>
             <a:lvl8pPr>
-              <a:defRPr sz="1350"/>
+              <a:defRPr sz="1600"/>
             </a:lvl8pPr>
             <a:lvl9pPr>
-              <a:defRPr sz="1350"/>
+              <a:defRPr sz="1600"/>
             </a:lvl9pPr>
           </a:lstStyle>
           <a:p>
@@ -1330,6 +1473,7 @@
               <a:rPr lang="en-US"/>
               <a:t>Fifth level</a:t>
             </a:r>
+            <a:endParaRPr lang="en-US" dirty="0"/>
           </a:p>
         </p:txBody>
       </p:sp>
@@ -1348,11 +1492,11 @@
           <a:bodyPr/>
           <a:lstStyle/>
           <a:p>
-            <a:fld id="{241EB5C9-1307-BA42-ABA2-0BC069CD8E7F}" type="datetimeFigureOut">
-              <a:rPr lang="en-US" smtClean="0"/>
-              <a:t>1/2/22</a:t>
+            <a:fld id="{9083B048-925F-49FF-A9F3-366F3EC5EF71}" type="datetimeFigureOut">
+              <a:rPr lang="en-ZA" smtClean="0"/>
+              <a:t>2025/06/18</a:t>
             </a:fld>
-            <a:endParaRPr lang="en-US"/>
+            <a:endParaRPr lang="en-ZA"/>
           </a:p>
         </p:txBody>
       </p:sp>
@@ -1371,7 +1515,7 @@
           <a:bodyPr/>
           <a:lstStyle/>
           <a:p>
-            <a:endParaRPr lang="en-US"/>
+            <a:endParaRPr lang="en-ZA"/>
           </a:p>
         </p:txBody>
       </p:sp>
@@ -1390,18 +1534,18 @@
           <a:bodyPr/>
           <a:lstStyle/>
           <a:p>
-            <a:fld id="{C5EF2332-01BF-834F-8236-50238282D533}" type="slidenum">
-              <a:rPr lang="en-US" smtClean="0"/>
+            <a:fld id="{A6DA7E1B-D9E7-4CFC-9D1A-552D05D3E0E8}" type="slidenum">
+              <a:rPr lang="en-ZA" smtClean="0"/>
               <a:t>‹#›</a:t>
             </a:fld>
-            <a:endParaRPr lang="en-US"/>
+            <a:endParaRPr lang="en-ZA"/>
           </a:p>
         </p:txBody>
       </p:sp>
     </p:spTree>
     <p:extLst>
       <p:ext uri="{BB962C8B-B14F-4D97-AF65-F5344CB8AC3E}">
-        <p14:creationId xmlns:p14="http://schemas.microsoft.com/office/powerpoint/2010/main" val="2619886245"/>
+        <p14:creationId xmlns:p14="http://schemas.microsoft.com/office/powerpoint/2010/main" val="3514059959"/>
       </p:ext>
     </p:extLst>
   </p:cSld>
@@ -1430,7 +1574,7 @@
       </p:grpSpPr>
       <p:sp>
         <p:nvSpPr>
-          <p:cNvPr id="2" name="Title 1"/>
+          <p:cNvPr id="10" name="Title 9"/>
           <p:cNvSpPr>
             <a:spLocks noGrp="1"/>
           </p:cNvSpPr>
@@ -1439,75 +1583,228 @@
           </p:nvPr>
         </p:nvSpPr>
         <p:spPr/>
+        <p:txBody>
+          <a:bodyPr/>
+          <a:lstStyle/>
+          <a:p>
+            <a:r>
+              <a:rPr lang="en-US"/>
+              <a:t>Click to edit Master title style</a:t>
+            </a:r>
+            <a:endParaRPr lang="en-US" dirty="0"/>
+          </a:p>
+        </p:txBody>
+      </p:sp>
+      <p:sp>
+        <p:nvSpPr>
+          <p:cNvPr id="3" name="Text Placeholder 2"/>
+          <p:cNvSpPr>
+            <a:spLocks noGrp="1"/>
+          </p:cNvSpPr>
+          <p:nvPr>
+            <p:ph type="body" idx="1"/>
+          </p:nvPr>
+        </p:nvSpPr>
+        <p:spPr>
+          <a:xfrm>
+            <a:off x="1143000" y="2001511"/>
+            <a:ext cx="4754880" cy="777240"/>
+          </a:xfrm>
+        </p:spPr>
+        <p:txBody>
+          <a:bodyPr anchor="ctr"/>
+          <a:lstStyle>
+            <a:lvl1pPr marL="0" indent="0">
+              <a:spcBef>
+                <a:spcPts val="0"/>
+              </a:spcBef>
+              <a:buNone/>
+              <a:defRPr sz="2400" b="1"/>
+            </a:lvl1pPr>
+            <a:lvl2pPr marL="457200" indent="0">
+              <a:buNone/>
+              <a:defRPr sz="2000" b="1"/>
+            </a:lvl2pPr>
+            <a:lvl3pPr marL="914400" indent="0">
+              <a:buNone/>
+              <a:defRPr sz="1800" b="1"/>
+            </a:lvl3pPr>
+            <a:lvl4pPr marL="1371600" indent="0">
+              <a:buNone/>
+              <a:defRPr sz="1600" b="1"/>
+            </a:lvl4pPr>
+            <a:lvl5pPr marL="1828800" indent="0">
+              <a:buNone/>
+              <a:defRPr sz="1600" b="1"/>
+            </a:lvl5pPr>
+            <a:lvl6pPr marL="2286000" indent="0">
+              <a:buNone/>
+              <a:defRPr sz="1600" b="1"/>
+            </a:lvl6pPr>
+            <a:lvl7pPr marL="2743200" indent="0">
+              <a:buNone/>
+              <a:defRPr sz="1600" b="1"/>
+            </a:lvl7pPr>
+            <a:lvl8pPr marL="3200400" indent="0">
+              <a:buNone/>
+              <a:defRPr sz="1600" b="1"/>
+            </a:lvl8pPr>
+            <a:lvl9pPr marL="3657600" indent="0">
+              <a:buNone/>
+              <a:defRPr sz="1600" b="1"/>
+            </a:lvl9pPr>
+          </a:lstStyle>
+          <a:p>
+            <a:pPr lvl="0"/>
+            <a:r>
+              <a:rPr lang="en-US"/>
+              <a:t>Click to edit Master text styles</a:t>
+            </a:r>
+          </a:p>
+        </p:txBody>
+      </p:sp>
+      <p:sp>
+        <p:nvSpPr>
+          <p:cNvPr id="4" name="Content Placeholder 3"/>
+          <p:cNvSpPr>
+            <a:spLocks noGrp="1"/>
+          </p:cNvSpPr>
+          <p:nvPr>
+            <p:ph sz="half" idx="2"/>
+          </p:nvPr>
+        </p:nvSpPr>
+        <p:spPr>
+          <a:xfrm>
+            <a:off x="1143000" y="2721483"/>
+            <a:ext cx="4754880" cy="3383280"/>
+          </a:xfrm>
+        </p:spPr>
         <p:txBody>
           <a:bodyPr/>
           <a:lstStyle>
             <a:lvl1pPr>
-              <a:defRPr/>
+              <a:defRPr sz="2200"/>
             </a:lvl1pPr>
+            <a:lvl2pPr>
+              <a:defRPr sz="2000"/>
+            </a:lvl2pPr>
+            <a:lvl3pPr>
+              <a:defRPr sz="1800"/>
+            </a:lvl3pPr>
+            <a:lvl4pPr>
+              <a:defRPr sz="1600"/>
+            </a:lvl4pPr>
+            <a:lvl5pPr>
+              <a:defRPr sz="1600"/>
+            </a:lvl5pPr>
+            <a:lvl6pPr>
+              <a:defRPr sz="1600"/>
+            </a:lvl6pPr>
+            <a:lvl7pPr>
+              <a:defRPr sz="1600"/>
+            </a:lvl7pPr>
+            <a:lvl8pPr>
+              <a:defRPr sz="1600"/>
+            </a:lvl8pPr>
+            <a:lvl9pPr>
+              <a:defRPr sz="1600"/>
+            </a:lvl9pPr>
           </a:lstStyle>
           <a:p>
-            <a:r>
-              <a:rPr lang="en-US"/>
-              <a:t>Click to edit Master title style</a:t>
-            </a:r>
-          </a:p>
-        </p:txBody>
-      </p:sp>
-      <p:sp>
-        <p:nvSpPr>
-          <p:cNvPr id="3" name="Text Placeholder 2"/>
-          <p:cNvSpPr>
-            <a:spLocks noGrp="1"/>
-          </p:cNvSpPr>
-          <p:nvPr>
-            <p:ph type="body" idx="1"/>
+            <a:pPr lvl="0"/>
+            <a:r>
+              <a:rPr lang="en-US"/>
+              <a:t>Click to edit Master text styles</a:t>
+            </a:r>
+          </a:p>
+          <a:p>
+            <a:pPr lvl="1"/>
+            <a:r>
+              <a:rPr lang="en-US"/>
+              <a:t>Second level</a:t>
+            </a:r>
+          </a:p>
+          <a:p>
+            <a:pPr lvl="2"/>
+            <a:r>
+              <a:rPr lang="en-US"/>
+              <a:t>Third level</a:t>
+            </a:r>
+          </a:p>
+          <a:p>
+            <a:pPr lvl="3"/>
+            <a:r>
+              <a:rPr lang="en-US"/>
+              <a:t>Fourth level</a:t>
+            </a:r>
+          </a:p>
+          <a:p>
+            <a:pPr lvl="4"/>
+            <a:r>
+              <a:rPr lang="en-US"/>
+              <a:t>Fifth level</a:t>
+            </a:r>
+            <a:endParaRPr lang="en-US" dirty="0"/>
+          </a:p>
+        </p:txBody>
+      </p:sp>
+      <p:sp>
+        <p:nvSpPr>
+          <p:cNvPr id="5" name="Text Placeholder 4"/>
+          <p:cNvSpPr>
+            <a:spLocks noGrp="1"/>
+          </p:cNvSpPr>
+          <p:nvPr>
+            <p:ph type="body" sz="quarter" idx="3"/>
           </p:nvPr>
         </p:nvSpPr>
         <p:spPr>
           <a:xfrm>
-            <a:off x="457200" y="1151335"/>
-            <a:ext cx="4040188" cy="479822"/>
+            <a:off x="6269173" y="1999032"/>
+            <a:ext cx="4754880" cy="777240"/>
           </a:xfrm>
         </p:spPr>
         <p:txBody>
-          <a:bodyPr anchor="b"/>
+          <a:bodyPr anchor="ctr"/>
           <a:lstStyle>
             <a:lvl1pPr marL="0" indent="0">
+              <a:spcBef>
+                <a:spcPts val="0"/>
+              </a:spcBef>
+              <a:buNone/>
+              <a:defRPr sz="2400" b="1"/>
+            </a:lvl1pPr>
+            <a:lvl2pPr marL="457200" indent="0">
+              <a:buNone/>
+              <a:defRPr sz="2000" b="1"/>
+            </a:lvl2pPr>
+            <a:lvl3pPr marL="914400" indent="0">
               <a:buNone/>
               <a:defRPr sz="1800" b="1"/>
-            </a:lvl1pPr>
-            <a:lvl2pPr marL="342900" indent="0">
-              <a:buNone/>
-              <a:defRPr sz="1500" b="1"/>
-            </a:lvl2pPr>
-            <a:lvl3pPr marL="685800" indent="0">
-              <a:buNone/>
-              <a:defRPr sz="1350" b="1"/>
             </a:lvl3pPr>
-            <a:lvl4pPr marL="1028700" indent="0">
-              <a:buNone/>
-              <a:defRPr sz="1200" b="1"/>
+            <a:lvl4pPr marL="1371600" indent="0">
+              <a:buNone/>
+              <a:defRPr sz="1600" b="1"/>
             </a:lvl4pPr>
-            <a:lvl5pPr marL="1371600" indent="0">
-              <a:buNone/>
-              <a:defRPr sz="1200" b="1"/>
+            <a:lvl5pPr marL="1828800" indent="0">
+              <a:buNone/>
+              <a:defRPr sz="1600" b="1"/>
             </a:lvl5pPr>
-            <a:lvl6pPr marL="1714500" indent="0">
-              <a:buNone/>
-              <a:defRPr sz="1200" b="1"/>
+            <a:lvl6pPr marL="2286000" indent="0">
+              <a:buNone/>
+              <a:defRPr sz="1600" b="1"/>
             </a:lvl6pPr>
-            <a:lvl7pPr marL="2057400" indent="0">
-              <a:buNone/>
-              <a:defRPr sz="1200" b="1"/>
+            <a:lvl7pPr marL="2743200" indent="0">
+              <a:buNone/>
+              <a:defRPr sz="1600" b="1"/>
             </a:lvl7pPr>
-            <a:lvl8pPr marL="2400300" indent="0">
-              <a:buNone/>
-              <a:defRPr sz="1200" b="1"/>
+            <a:lvl8pPr marL="3200400" indent="0">
+              <a:buNone/>
+              <a:defRPr sz="1600" b="1"/>
             </a:lvl8pPr>
-            <a:lvl9pPr marL="2743200" indent="0">
-              <a:buNone/>
-              <a:defRPr sz="1200" b="1"/>
+            <a:lvl9pPr marL="3657600" indent="0">
+              <a:buNone/>
+              <a:defRPr sz="1600" b="1"/>
             </a:lvl9pPr>
           </a:lstStyle>
           <a:p>
@@ -1521,49 +1818,49 @@
       </p:sp>
       <p:sp>
         <p:nvSpPr>
-          <p:cNvPr id="4" name="Content Placeholder 3"/>
-          <p:cNvSpPr>
-            <a:spLocks noGrp="1"/>
-          </p:cNvSpPr>
-          <p:nvPr>
-            <p:ph sz="half" idx="2"/>
+          <p:cNvPr id="6" name="Content Placeholder 5"/>
+          <p:cNvSpPr>
+            <a:spLocks noGrp="1"/>
+          </p:cNvSpPr>
+          <p:nvPr>
+            <p:ph sz="quarter" idx="4"/>
           </p:nvPr>
         </p:nvSpPr>
         <p:spPr>
           <a:xfrm>
-            <a:off x="457200" y="1631156"/>
-            <a:ext cx="4040188" cy="2963466"/>
+            <a:off x="6269173" y="2719322"/>
+            <a:ext cx="4754880" cy="3383280"/>
           </a:xfrm>
         </p:spPr>
         <p:txBody>
           <a:bodyPr/>
           <a:lstStyle>
             <a:lvl1pPr>
-              <a:defRPr sz="1800"/>
+              <a:defRPr sz="2200"/>
             </a:lvl1pPr>
             <a:lvl2pPr>
-              <a:defRPr sz="1500"/>
+              <a:defRPr sz="2000"/>
             </a:lvl2pPr>
             <a:lvl3pPr>
-              <a:defRPr sz="1350"/>
+              <a:defRPr sz="1800"/>
             </a:lvl3pPr>
             <a:lvl4pPr>
-              <a:defRPr sz="1200"/>
+              <a:defRPr sz="1600"/>
             </a:lvl4pPr>
             <a:lvl5pPr>
-              <a:defRPr sz="1200"/>
+              <a:defRPr sz="1600"/>
             </a:lvl5pPr>
             <a:lvl6pPr>
-              <a:defRPr sz="1200"/>
+              <a:defRPr sz="1600"/>
             </a:lvl6pPr>
             <a:lvl7pPr>
-              <a:defRPr sz="1200"/>
+              <a:defRPr sz="1600"/>
             </a:lvl7pPr>
             <a:lvl8pPr>
-              <a:defRPr sz="1200"/>
+              <a:defRPr sz="1600"/>
             </a:lvl8pPr>
             <a:lvl9pPr>
-              <a:defRPr sz="1200"/>
+              <a:defRPr sz="1600"/>
             </a:lvl9pPr>
           </a:lstStyle>
           <a:p>
@@ -1600,155 +1897,7 @@
               <a:rPr lang="en-US"/>
               <a:t>Fifth level</a:t>
             </a:r>
-          </a:p>
-        </p:txBody>
-      </p:sp>
-      <p:sp>
-        <p:nvSpPr>
-          <p:cNvPr id="5" name="Text Placeholder 4"/>
-          <p:cNvSpPr>
-            <a:spLocks noGrp="1"/>
-          </p:cNvSpPr>
-          <p:nvPr>
-            <p:ph type="body" sz="quarter" idx="3"/>
-          </p:nvPr>
-        </p:nvSpPr>
-        <p:spPr>
-          <a:xfrm>
-            <a:off x="4645026" y="1151335"/>
-            <a:ext cx="4041775" cy="479822"/>
-          </a:xfrm>
-        </p:spPr>
-        <p:txBody>
-          <a:bodyPr anchor="b"/>
-          <a:lstStyle>
-            <a:lvl1pPr marL="0" indent="0">
-              <a:buNone/>
-              <a:defRPr sz="1800" b="1"/>
-            </a:lvl1pPr>
-            <a:lvl2pPr marL="342900" indent="0">
-              <a:buNone/>
-              <a:defRPr sz="1500" b="1"/>
-            </a:lvl2pPr>
-            <a:lvl3pPr marL="685800" indent="0">
-              <a:buNone/>
-              <a:defRPr sz="1350" b="1"/>
-            </a:lvl3pPr>
-            <a:lvl4pPr marL="1028700" indent="0">
-              <a:buNone/>
-              <a:defRPr sz="1200" b="1"/>
-            </a:lvl4pPr>
-            <a:lvl5pPr marL="1371600" indent="0">
-              <a:buNone/>
-              <a:defRPr sz="1200" b="1"/>
-            </a:lvl5pPr>
-            <a:lvl6pPr marL="1714500" indent="0">
-              <a:buNone/>
-              <a:defRPr sz="1200" b="1"/>
-            </a:lvl6pPr>
-            <a:lvl7pPr marL="2057400" indent="0">
-              <a:buNone/>
-              <a:defRPr sz="1200" b="1"/>
-            </a:lvl7pPr>
-            <a:lvl8pPr marL="2400300" indent="0">
-              <a:buNone/>
-              <a:defRPr sz="1200" b="1"/>
-            </a:lvl8pPr>
-            <a:lvl9pPr marL="2743200" indent="0">
-              <a:buNone/>
-              <a:defRPr sz="1200" b="1"/>
-            </a:lvl9pPr>
-          </a:lstStyle>
-          <a:p>
-            <a:pPr lvl="0"/>
-            <a:r>
-              <a:rPr lang="en-US"/>
-              <a:t>Click to edit Master text styles</a:t>
-            </a:r>
-          </a:p>
-        </p:txBody>
-      </p:sp>
-      <p:sp>
-        <p:nvSpPr>
-          <p:cNvPr id="6" name="Content Placeholder 5"/>
-          <p:cNvSpPr>
-            <a:spLocks noGrp="1"/>
-          </p:cNvSpPr>
-          <p:nvPr>
-            <p:ph sz="quarter" idx="4"/>
-          </p:nvPr>
-        </p:nvSpPr>
-        <p:spPr>
-          <a:xfrm>
-            <a:off x="4645026" y="1631156"/>
-            <a:ext cx="4041775" cy="2963466"/>
-          </a:xfrm>
-        </p:spPr>
-        <p:txBody>
-          <a:bodyPr/>
-          <a:lstStyle>
-            <a:lvl1pPr>
-              <a:defRPr sz="1800"/>
-            </a:lvl1pPr>
-            <a:lvl2pPr>
-              <a:defRPr sz="1500"/>
-            </a:lvl2pPr>
-            <a:lvl3pPr>
-              <a:defRPr sz="1350"/>
-            </a:lvl3pPr>
-            <a:lvl4pPr>
-              <a:defRPr sz="1200"/>
-            </a:lvl4pPr>
-            <a:lvl5pPr>
-              <a:defRPr sz="1200"/>
-            </a:lvl5pPr>
-            <a:lvl6pPr>
-              <a:defRPr sz="1200"/>
-            </a:lvl6pPr>
-            <a:lvl7pPr>
-              <a:defRPr sz="1200"/>
-            </a:lvl7pPr>
-            <a:lvl8pPr>
-              <a:defRPr sz="1200"/>
-            </a:lvl8pPr>
-            <a:lvl9pPr>
-              <a:defRPr sz="1200"/>
-            </a:lvl9pPr>
-          </a:lstStyle>
-          <a:p>
-            <a:pPr lvl="0"/>
-            <a:r>
-              <a:rPr lang="en-US"/>
-              <a:t>Click to edit Master text styles</a:t>
-            </a:r>
-          </a:p>
-          <a:p>
-            <a:pPr lvl="1"/>
-            <a:r>
-              <a:rPr lang="en-US"/>
-              <a:t>Second level</a:t>
-            </a:r>
-          </a:p>
-          <a:p>
-            <a:pPr lvl="2"/>
-            <a:r>
-              <a:rPr lang="en-US"/>
-              <a:t>Third level</a:t>
-            </a:r>
-          </a:p>
-          <a:p>
-            <a:pPr lvl="3"/>
-            <a:r>
-              <a:rPr lang="en-US"/>
-              <a:t>Fourth level</a:t>
-            </a:r>
-          </a:p>
-          <a:p>
-            <a:pPr lvl="4"/>
-            <a:r>
-              <a:rPr lang="en-US"/>
-              <a:t>Fifth level</a:t>
-            </a:r>
+            <a:endParaRPr lang="en-US" dirty="0"/>
           </a:p>
         </p:txBody>
       </p:sp>
@@ -1767,11 +1916,11 @@
           <a:bodyPr/>
           <a:lstStyle/>
           <a:p>
-            <a:fld id="{241EB5C9-1307-BA42-ABA2-0BC069CD8E7F}" type="datetimeFigureOut">
-              <a:rPr lang="en-US" smtClean="0"/>
-              <a:t>1/2/22</a:t>
+            <a:fld id="{9083B048-925F-49FF-A9F3-366F3EC5EF71}" type="datetimeFigureOut">
+              <a:rPr lang="en-ZA" smtClean="0"/>
+              <a:t>2025/06/18</a:t>
             </a:fld>
-            <a:endParaRPr lang="en-US"/>
+            <a:endParaRPr lang="en-ZA"/>
           </a:p>
         </p:txBody>
       </p:sp>
@@ -1790,7 +1939,7 @@
           <a:bodyPr/>
           <a:lstStyle/>
           <a:p>
-            <a:endParaRPr lang="en-US"/>
+            <a:endParaRPr lang="en-ZA"/>
           </a:p>
         </p:txBody>
       </p:sp>
@@ -1809,18 +1958,18 @@
           <a:bodyPr/>
           <a:lstStyle/>
           <a:p>
-            <a:fld id="{C5EF2332-01BF-834F-8236-50238282D533}" type="slidenum">
-              <a:rPr lang="en-US" smtClean="0"/>
+            <a:fld id="{A6DA7E1B-D9E7-4CFC-9D1A-552D05D3E0E8}" type="slidenum">
+              <a:rPr lang="en-ZA" smtClean="0"/>
               <a:t>‹#›</a:t>
             </a:fld>
-            <a:endParaRPr lang="en-US"/>
+            <a:endParaRPr lang="en-ZA"/>
           </a:p>
         </p:txBody>
       </p:sp>
     </p:spTree>
     <p:extLst>
       <p:ext uri="{BB962C8B-B14F-4D97-AF65-F5344CB8AC3E}">
-        <p14:creationId xmlns:p14="http://schemas.microsoft.com/office/powerpoint/2010/main" val="2535793967"/>
+        <p14:creationId xmlns:p14="http://schemas.microsoft.com/office/powerpoint/2010/main" val="2906671834"/>
       </p:ext>
     </p:extLst>
   </p:cSld>
@@ -1866,6 +2015,7 @@
               <a:rPr lang="en-US"/>
               <a:t>Click to edit Master title style</a:t>
             </a:r>
+            <a:endParaRPr lang="en-US" dirty="0"/>
           </a:p>
         </p:txBody>
       </p:sp>
@@ -1884,11 +2034,11 @@
           <a:bodyPr/>
           <a:lstStyle/>
           <a:p>
-            <a:fld id="{241EB5C9-1307-BA42-ABA2-0BC069CD8E7F}" type="datetimeFigureOut">
-              <a:rPr lang="en-US" smtClean="0"/>
-              <a:t>1/2/22</a:t>
+            <a:fld id="{9083B048-925F-49FF-A9F3-366F3EC5EF71}" type="datetimeFigureOut">
+              <a:rPr lang="en-ZA" smtClean="0"/>
+              <a:t>2025/06/18</a:t>
             </a:fld>
-            <a:endParaRPr lang="en-US"/>
+            <a:endParaRPr lang="en-ZA"/>
           </a:p>
         </p:txBody>
       </p:sp>
@@ -1907,7 +2057,7 @@
           <a:bodyPr/>
           <a:lstStyle/>
           <a:p>
-            <a:endParaRPr lang="en-US"/>
+            <a:endParaRPr lang="en-ZA"/>
           </a:p>
         </p:txBody>
       </p:sp>
@@ -1926,18 +2076,18 @@
           <a:bodyPr/>
           <a:lstStyle/>
           <a:p>
-            <a:fld id="{C5EF2332-01BF-834F-8236-50238282D533}" type="slidenum">
-              <a:rPr lang="en-US" smtClean="0"/>
+            <a:fld id="{A6DA7E1B-D9E7-4CFC-9D1A-552D05D3E0E8}" type="slidenum">
+              <a:rPr lang="en-ZA" smtClean="0"/>
               <a:t>‹#›</a:t>
             </a:fld>
-            <a:endParaRPr lang="en-US"/>
+            <a:endParaRPr lang="en-ZA"/>
           </a:p>
         </p:txBody>
       </p:sp>
     </p:spTree>
     <p:extLst>
       <p:ext uri="{BB962C8B-B14F-4D97-AF65-F5344CB8AC3E}">
-        <p14:creationId xmlns:p14="http://schemas.microsoft.com/office/powerpoint/2010/main" val="3472721253"/>
+        <p14:creationId xmlns:p14="http://schemas.microsoft.com/office/powerpoint/2010/main" val="167503181"/>
       </p:ext>
     </p:extLst>
   </p:cSld>
@@ -1979,11 +2129,11 @@
           <a:bodyPr/>
           <a:lstStyle/>
           <a:p>
-            <a:fld id="{241EB5C9-1307-BA42-ABA2-0BC069CD8E7F}" type="datetimeFigureOut">
-              <a:rPr lang="en-US" smtClean="0"/>
-              <a:t>1/2/22</a:t>
+            <a:fld id="{9083B048-925F-49FF-A9F3-366F3EC5EF71}" type="datetimeFigureOut">
+              <a:rPr lang="en-ZA" smtClean="0"/>
+              <a:t>2025/06/18</a:t>
             </a:fld>
-            <a:endParaRPr lang="en-US"/>
+            <a:endParaRPr lang="en-ZA"/>
           </a:p>
         </p:txBody>
       </p:sp>
@@ -2002,7 +2152,7 @@
           <a:bodyPr/>
           <a:lstStyle/>
           <a:p>
-            <a:endParaRPr lang="en-US"/>
+            <a:endParaRPr lang="en-ZA"/>
           </a:p>
         </p:txBody>
       </p:sp>
@@ -2021,18 +2171,18 @@
           <a:bodyPr/>
           <a:lstStyle/>
           <a:p>
-            <a:fld id="{C5EF2332-01BF-834F-8236-50238282D533}" type="slidenum">
-              <a:rPr lang="en-US" smtClean="0"/>
+            <a:fld id="{A6DA7E1B-D9E7-4CFC-9D1A-552D05D3E0E8}" type="slidenum">
+              <a:rPr lang="en-ZA" smtClean="0"/>
               <a:t>‹#›</a:t>
             </a:fld>
-            <a:endParaRPr lang="en-US"/>
+            <a:endParaRPr lang="en-ZA"/>
           </a:p>
         </p:txBody>
       </p:sp>
     </p:spTree>
     <p:extLst>
       <p:ext uri="{BB962C8B-B14F-4D97-AF65-F5344CB8AC3E}">
-        <p14:creationId xmlns:p14="http://schemas.microsoft.com/office/powerpoint/2010/main" val="2130901097"/>
+        <p14:creationId xmlns:p14="http://schemas.microsoft.com/office/powerpoint/2010/main" val="2329637544"/>
       </p:ext>
     </p:extLst>
   </p:cSld>
@@ -2071,15 +2221,20 @@
         </p:nvSpPr>
         <p:spPr>
           <a:xfrm>
-            <a:off x="457201" y="204787"/>
-            <a:ext cx="3008313" cy="871538"/>
+            <a:off x="1143000" y="1097280"/>
+            <a:ext cx="3931920" cy="1737360"/>
           </a:xfrm>
         </p:spPr>
         <p:txBody>
-          <a:bodyPr anchor="b"/>
+          <a:bodyPr anchor="b">
+            <a:noAutofit/>
+          </a:bodyPr>
           <a:lstStyle>
-            <a:lvl1pPr algn="l">
-              <a:defRPr sz="1500" b="1"/>
+            <a:lvl1pPr>
+              <a:lnSpc>
+                <a:spcPct val="90000"/>
+              </a:lnSpc>
+              <a:defRPr sz="4000" b="0"/>
             </a:lvl1pPr>
           </a:lstStyle>
           <a:p>
@@ -2087,6 +2242,7 @@
               <a:rPr lang="en-US"/>
               <a:t>Click to edit Master title style</a:t>
             </a:r>
+            <a:endParaRPr lang="en-US" dirty="0"/>
           </a:p>
         </p:txBody>
       </p:sp>
@@ -2102,39 +2258,39 @@
         </p:nvSpPr>
         <p:spPr>
           <a:xfrm>
-            <a:off x="3575050" y="204788"/>
-            <a:ext cx="5111750" cy="4389835"/>
+            <a:off x="5852159" y="1097280"/>
+            <a:ext cx="5212080" cy="4663440"/>
           </a:xfrm>
         </p:spPr>
         <p:txBody>
           <a:bodyPr/>
           <a:lstStyle>
             <a:lvl1pPr>
-              <a:defRPr sz="2400"/>
+              <a:defRPr sz="3200"/>
             </a:lvl1pPr>
             <a:lvl2pPr>
-              <a:defRPr sz="2100"/>
+              <a:defRPr sz="2800"/>
             </a:lvl2pPr>
             <a:lvl3pPr>
-              <a:defRPr sz="1800"/>
+              <a:defRPr sz="2400"/>
             </a:lvl3pPr>
             <a:lvl4pPr>
-              <a:defRPr sz="1500"/>
+              <a:defRPr sz="2000"/>
             </a:lvl4pPr>
             <a:lvl5pPr>
-              <a:defRPr sz="1500"/>
+              <a:defRPr sz="2000"/>
             </a:lvl5pPr>
             <a:lvl6pPr>
-              <a:defRPr sz="1500"/>
+              <a:defRPr sz="2000"/>
             </a:lvl6pPr>
             <a:lvl7pPr>
-              <a:defRPr sz="1500"/>
+              <a:defRPr sz="2000"/>
             </a:lvl7pPr>
             <a:lvl8pPr>
-              <a:defRPr sz="1500"/>
+              <a:defRPr sz="2000"/>
             </a:lvl8pPr>
             <a:lvl9pPr>
-              <a:defRPr sz="1500"/>
+              <a:defRPr sz="2000"/>
             </a:lvl9pPr>
           </a:lstStyle>
           <a:p>
@@ -2171,6 +2327,7 @@
               <a:rPr lang="en-US"/>
               <a:t>Fifth level</a:t>
             </a:r>
+            <a:endParaRPr lang="en-US" dirty="0"/>
           </a:p>
         </p:txBody>
       </p:sp>
@@ -2186,48 +2343,56 @@
         </p:nvSpPr>
         <p:spPr>
           <a:xfrm>
-            <a:off x="457201" y="1076326"/>
-            <a:ext cx="3008313" cy="3518297"/>
+            <a:off x="1143000" y="2834640"/>
+            <a:ext cx="3931920" cy="3017520"/>
           </a:xfrm>
         </p:spPr>
         <p:txBody>
-          <a:bodyPr/>
+          <a:bodyPr>
+            <a:normAutofit/>
+          </a:bodyPr>
           <a:lstStyle>
             <a:lvl1pPr marL="0" indent="0">
-              <a:buNone/>
-              <a:defRPr sz="1050"/>
+              <a:lnSpc>
+                <a:spcPct val="100000"/>
+              </a:lnSpc>
+              <a:spcBef>
+                <a:spcPts val="1000"/>
+              </a:spcBef>
+              <a:buNone/>
+              <a:defRPr sz="1700"/>
             </a:lvl1pPr>
-            <a:lvl2pPr marL="342900" indent="0">
+            <a:lvl2pPr marL="457200" indent="0">
+              <a:buNone/>
+              <a:defRPr sz="1200"/>
+            </a:lvl2pPr>
+            <a:lvl3pPr marL="914400" indent="0">
+              <a:buNone/>
+              <a:defRPr sz="1000"/>
+            </a:lvl3pPr>
+            <a:lvl4pPr marL="1371600" indent="0">
               <a:buNone/>
               <a:defRPr sz="900"/>
-            </a:lvl2pPr>
-            <a:lvl3pPr marL="685800" indent="0">
-              <a:buNone/>
-              <a:defRPr sz="750"/>
-            </a:lvl3pPr>
-            <a:lvl4pPr marL="1028700" indent="0">
-              <a:buNone/>
-              <a:defRPr sz="675"/>
             </a:lvl4pPr>
-            <a:lvl5pPr marL="1371600" indent="0">
-              <a:buNone/>
-              <a:defRPr sz="675"/>
+            <a:lvl5pPr marL="1828800" indent="0">
+              <a:buNone/>
+              <a:defRPr sz="900"/>
             </a:lvl5pPr>
-            <a:lvl6pPr marL="1714500" indent="0">
-              <a:buNone/>
-              <a:defRPr sz="675"/>
+            <a:lvl6pPr marL="2286000" indent="0">
+              <a:buNone/>
+              <a:defRPr sz="900"/>
             </a:lvl6pPr>
-            <a:lvl7pPr marL="2057400" indent="0">
-              <a:buNone/>
-              <a:defRPr sz="675"/>
+            <a:lvl7pPr marL="2743200" indent="0">
+              <a:buNone/>
+              <a:defRPr sz="900"/>
             </a:lvl7pPr>
-            <a:lvl8pPr marL="2400300" indent="0">
-              <a:buNone/>
-              <a:defRPr sz="675"/>
+            <a:lvl8pPr marL="3200400" indent="0">
+              <a:buNone/>
+              <a:defRPr sz="900"/>
             </a:lvl8pPr>
-            <a:lvl9pPr marL="2743200" indent="0">
-              <a:buNone/>
-              <a:defRPr sz="675"/>
+            <a:lvl9pPr marL="3657600" indent="0">
+              <a:buNone/>
+              <a:defRPr sz="900"/>
             </a:lvl9pPr>
           </a:lstStyle>
           <a:p>
@@ -2254,11 +2419,11 @@
           <a:bodyPr/>
           <a:lstStyle/>
           <a:p>
-            <a:fld id="{241EB5C9-1307-BA42-ABA2-0BC069CD8E7F}" type="datetimeFigureOut">
-              <a:rPr lang="en-US" smtClean="0"/>
-              <a:t>1/2/22</a:t>
+            <a:fld id="{9083B048-925F-49FF-A9F3-366F3EC5EF71}" type="datetimeFigureOut">
+              <a:rPr lang="en-ZA" smtClean="0"/>
+              <a:t>2025/06/18</a:t>
             </a:fld>
-            <a:endParaRPr lang="en-US"/>
+            <a:endParaRPr lang="en-ZA"/>
           </a:p>
         </p:txBody>
       </p:sp>
@@ -2277,7 +2442,7 @@
           <a:bodyPr/>
           <a:lstStyle/>
           <a:p>
-            <a:endParaRPr lang="en-US"/>
+            <a:endParaRPr lang="en-ZA"/>
           </a:p>
         </p:txBody>
       </p:sp>
@@ -2296,18 +2461,18 @@
           <a:bodyPr/>
           <a:lstStyle/>
           <a:p>
-            <a:fld id="{C5EF2332-01BF-834F-8236-50238282D533}" type="slidenum">
-              <a:rPr lang="en-US" smtClean="0"/>
+            <a:fld id="{A6DA7E1B-D9E7-4CFC-9D1A-552D05D3E0E8}" type="slidenum">
+              <a:rPr lang="en-ZA" smtClean="0"/>
               <a:t>‹#›</a:t>
             </a:fld>
-            <a:endParaRPr lang="en-US"/>
+            <a:endParaRPr lang="en-ZA"/>
           </a:p>
         </p:txBody>
       </p:sp>
     </p:spTree>
     <p:extLst>
       <p:ext uri="{BB962C8B-B14F-4D97-AF65-F5344CB8AC3E}">
-        <p14:creationId xmlns:p14="http://schemas.microsoft.com/office/powerpoint/2010/main" val="3540895647"/>
+        <p14:creationId xmlns:p14="http://schemas.microsoft.com/office/powerpoint/2010/main" val="2122988849"/>
       </p:ext>
     </p:extLst>
   </p:cSld>
@@ -2346,15 +2511,20 @@
         </p:nvSpPr>
         <p:spPr>
           <a:xfrm>
-            <a:off x="1792288" y="3600450"/>
-            <a:ext cx="5486400" cy="425054"/>
+            <a:off x="1143000" y="1097280"/>
+            <a:ext cx="3931920" cy="1737360"/>
           </a:xfrm>
         </p:spPr>
         <p:txBody>
-          <a:bodyPr anchor="b"/>
+          <a:bodyPr anchor="b">
+            <a:noAutofit/>
+          </a:bodyPr>
           <a:lstStyle>
-            <a:lvl1pPr algn="l">
-              <a:defRPr sz="1500" b="1"/>
+            <a:lvl1pPr>
+              <a:lnSpc>
+                <a:spcPct val="90000"/>
+              </a:lnSpc>
+              <a:defRPr sz="4000" b="0"/>
             </a:lvl1pPr>
           </a:lstStyle>
           <a:p>
@@ -2362,6 +2532,7 @@
               <a:rPr lang="en-US"/>
               <a:t>Click to edit Master title style</a:t>
             </a:r>
+            <a:endParaRPr lang="en-US" dirty="0"/>
           </a:p>
         </p:txBody>
       </p:sp>
@@ -2369,7 +2540,7 @@
         <p:nvSpPr>
           <p:cNvPr id="3" name="Picture Placeholder 2"/>
           <p:cNvSpPr>
-            <a:spLocks noGrp="1"/>
+            <a:spLocks noGrp="1" noChangeAspect="1"/>
           </p:cNvSpPr>
           <p:nvPr>
             <p:ph type="pic" idx="1"/>
@@ -2377,52 +2548,58 @@
         </p:nvSpPr>
         <p:spPr>
           <a:xfrm>
-            <a:off x="1792288" y="459581"/>
-            <a:ext cx="5486400" cy="3086100"/>
+            <a:off x="5413248" y="1069847"/>
+            <a:ext cx="6099048" cy="4800600"/>
           </a:xfrm>
         </p:spPr>
         <p:txBody>
-          <a:bodyPr/>
+          <a:bodyPr lIns="274320" tIns="182880" anchor="t">
+            <a:normAutofit/>
+          </a:bodyPr>
           <a:lstStyle>
             <a:lvl1pPr marL="0" indent="0">
               <a:buNone/>
+              <a:defRPr sz="2800"/>
+            </a:lvl1pPr>
+            <a:lvl2pPr marL="457200" indent="0">
+              <a:buNone/>
+              <a:defRPr sz="2800"/>
+            </a:lvl2pPr>
+            <a:lvl3pPr marL="914400" indent="0">
+              <a:buNone/>
               <a:defRPr sz="2400"/>
-            </a:lvl1pPr>
-            <a:lvl2pPr marL="342900" indent="0">
-              <a:buNone/>
-              <a:defRPr sz="2100"/>
-            </a:lvl2pPr>
-            <a:lvl3pPr marL="685800" indent="0">
-              <a:buNone/>
-              <a:defRPr sz="1800"/>
             </a:lvl3pPr>
-            <a:lvl4pPr marL="1028700" indent="0">
-              <a:buNone/>
-              <a:defRPr sz="1500"/>
+            <a:lvl4pPr marL="1371600" indent="0">
+              <a:buNone/>
+              <a:defRPr sz="2000"/>
             </a:lvl4pPr>
-            <a:lvl5pPr marL="1371600" indent="0">
-              <a:buNone/>
-              <a:defRPr sz="1500"/>
+            <a:lvl5pPr marL="1828800" indent="0">
+              <a:buNone/>
+              <a:defRPr sz="2000"/>
             </a:lvl5pPr>
-            <a:lvl6pPr marL="1714500" indent="0">
-              <a:buNone/>
-              <a:defRPr sz="1500"/>
+            <a:lvl6pPr marL="2286000" indent="0">
+              <a:buNone/>
+              <a:defRPr sz="2000"/>
             </a:lvl6pPr>
-            <a:lvl7pPr marL="2057400" indent="0">
-              <a:buNone/>
-              <a:defRPr sz="1500"/>
+            <a:lvl7pPr marL="2743200" indent="0">
+              <a:buNone/>
+              <a:defRPr sz="2000"/>
             </a:lvl7pPr>
-            <a:lvl8pPr marL="2400300" indent="0">
-              <a:buNone/>
-              <a:defRPr sz="1500"/>
+            <a:lvl8pPr marL="3200400" indent="0">
+              <a:buNone/>
+              <a:defRPr sz="2000"/>
             </a:lvl8pPr>
-            <a:lvl9pPr marL="2743200" indent="0">
-              <a:buNone/>
-              <a:defRPr sz="1500"/>
+            <a:lvl9pPr marL="3657600" indent="0">
+              <a:buNone/>
+              <a:defRPr sz="2000"/>
             </a:lvl9pPr>
           </a:lstStyle>
           <a:p>
-            <a:endParaRPr lang="en-US"/>
+            <a:r>
+              <a:rPr lang="en-US"/>
+              <a:t>Click icon to add picture</a:t>
+            </a:r>
+            <a:endParaRPr lang="en-US" dirty="0"/>
           </a:p>
         </p:txBody>
       </p:sp>
@@ -2438,48 +2615,56 @@
         </p:nvSpPr>
         <p:spPr>
           <a:xfrm>
-            <a:off x="1792288" y="4025503"/>
-            <a:ext cx="5486400" cy="603647"/>
+            <a:off x="1143000" y="2834640"/>
+            <a:ext cx="3931920" cy="2880360"/>
           </a:xfrm>
         </p:spPr>
         <p:txBody>
-          <a:bodyPr/>
+          <a:bodyPr>
+            <a:normAutofit/>
+          </a:bodyPr>
           <a:lstStyle>
             <a:lvl1pPr marL="0" indent="0">
-              <a:buNone/>
-              <a:defRPr sz="1050"/>
+              <a:lnSpc>
+                <a:spcPct val="100000"/>
+              </a:lnSpc>
+              <a:spcBef>
+                <a:spcPts val="1000"/>
+              </a:spcBef>
+              <a:buNone/>
+              <a:defRPr sz="1700"/>
             </a:lvl1pPr>
-            <a:lvl2pPr marL="342900" indent="0">
+            <a:lvl2pPr marL="457200" indent="0">
+              <a:buNone/>
+              <a:defRPr sz="1200"/>
+            </a:lvl2pPr>
+            <a:lvl3pPr marL="914400" indent="0">
+              <a:buNone/>
+              <a:defRPr sz="1000"/>
+            </a:lvl3pPr>
+            <a:lvl4pPr marL="1371600" indent="0">
               <a:buNone/>
               <a:defRPr sz="900"/>
-            </a:lvl2pPr>
-            <a:lvl3pPr marL="685800" indent="0">
-              <a:buNone/>
-              <a:defRPr sz="750"/>
-            </a:lvl3pPr>
-            <a:lvl4pPr marL="1028700" indent="0">
-              <a:buNone/>
-              <a:defRPr sz="675"/>
             </a:lvl4pPr>
-            <a:lvl5pPr marL="1371600" indent="0">
-              <a:buNone/>
-              <a:defRPr sz="675"/>
+            <a:lvl5pPr marL="1828800" indent="0">
+              <a:buNone/>
+              <a:defRPr sz="900"/>
             </a:lvl5pPr>
-            <a:lvl6pPr marL="1714500" indent="0">
-              <a:buNone/>
-              <a:defRPr sz="675"/>
+            <a:lvl6pPr marL="2286000" indent="0">
+              <a:buNone/>
+              <a:defRPr sz="900"/>
             </a:lvl6pPr>
-            <a:lvl7pPr marL="2057400" indent="0">
-              <a:buNone/>
-              <a:defRPr sz="675"/>
+            <a:lvl7pPr marL="2743200" indent="0">
+              <a:buNone/>
+              <a:defRPr sz="900"/>
             </a:lvl7pPr>
-            <a:lvl8pPr marL="2400300" indent="0">
-              <a:buNone/>
-              <a:defRPr sz="675"/>
+            <a:lvl8pPr marL="3200400" indent="0">
+              <a:buNone/>
+              <a:defRPr sz="900"/>
             </a:lvl8pPr>
-            <a:lvl9pPr marL="2743200" indent="0">
-              <a:buNone/>
-              <a:defRPr sz="675"/>
+            <a:lvl9pPr marL="3657600" indent="0">
+              <a:buNone/>
+              <a:defRPr sz="900"/>
             </a:lvl9pPr>
           </a:lstStyle>
           <a:p>
@@ -2506,11 +2691,11 @@
           <a:bodyPr/>
           <a:lstStyle/>
           <a:p>
-            <a:fld id="{241EB5C9-1307-BA42-ABA2-0BC069CD8E7F}" type="datetimeFigureOut">
-              <a:rPr lang="en-US" smtClean="0"/>
-              <a:t>1/2/22</a:t>
+            <a:fld id="{9083B048-925F-49FF-A9F3-366F3EC5EF71}" type="datetimeFigureOut">
+              <a:rPr lang="en-ZA" smtClean="0"/>
+              <a:t>2025/06/18</a:t>
             </a:fld>
-            <a:endParaRPr lang="en-US"/>
+            <a:endParaRPr lang="en-ZA"/>
           </a:p>
         </p:txBody>
       </p:sp>
@@ -2529,7 +2714,7 @@
           <a:bodyPr/>
           <a:lstStyle/>
           <a:p>
-            <a:endParaRPr lang="en-US"/>
+            <a:endParaRPr lang="en-ZA"/>
           </a:p>
         </p:txBody>
       </p:sp>
@@ -2548,18 +2733,18 @@
           <a:bodyPr/>
           <a:lstStyle/>
           <a:p>
-            <a:fld id="{C5EF2332-01BF-834F-8236-50238282D533}" type="slidenum">
-              <a:rPr lang="en-US" smtClean="0"/>
+            <a:fld id="{A6DA7E1B-D9E7-4CFC-9D1A-552D05D3E0E8}" type="slidenum">
+              <a:rPr lang="en-ZA" smtClean="0"/>
               <a:t>‹#›</a:t>
             </a:fld>
-            <a:endParaRPr lang="en-US"/>
+            <a:endParaRPr lang="en-ZA"/>
           </a:p>
         </p:txBody>
       </p:sp>
     </p:spTree>
     <p:extLst>
       <p:ext uri="{BB962C8B-B14F-4D97-AF65-F5344CB8AC3E}">
-        <p14:creationId xmlns:p14="http://schemas.microsoft.com/office/powerpoint/2010/main" val="3566899855"/>
+        <p14:creationId xmlns:p14="http://schemas.microsoft.com/office/powerpoint/2010/main" val="1847176074"/>
       </p:ext>
     </p:extLst>
   </p:cSld>
@@ -2573,9 +2758,12 @@
 <p:sldMaster xmlns:a="http://schemas.openxmlformats.org/drawingml/2006/main" xmlns:p="http://schemas.openxmlformats.org/presentationml/2006/main" xmlns:r="http://schemas.openxmlformats.org/officeDocument/2006/relationships">
   <p:cSld>
     <p:bg>
-      <p:bgRef idx="1001">
-        <a:schemeClr val="bg1"/>
-      </p:bgRef>
+      <p:bgPr>
+        <a:solidFill>
+          <a:schemeClr val="accent1"/>
+        </a:solidFill>
+        <a:effectLst/>
+      </p:bgPr>
     </p:bg>
     <p:spTree>
       <p:nvGrpSpPr>
@@ -2593,18 +2781,58 @@
       </p:grpSpPr>
       <p:sp>
         <p:nvSpPr>
-          <p:cNvPr id="2" name="Title Placeholder 1"/>
-          <p:cNvSpPr>
-            <a:spLocks noGrp="1"/>
-          </p:cNvSpPr>
-          <p:nvPr>
-            <p:ph type="title"/>
-          </p:nvPr>
+          <p:cNvPr id="7" name="Rectangle 6"/>
+          <p:cNvSpPr>
+            <a:spLocks noChangeAspect="1"/>
+          </p:cNvSpPr>
+          <p:nvPr/>
         </p:nvSpPr>
         <p:spPr>
           <a:xfrm>
-            <a:off x="457200" y="205979"/>
-            <a:ext cx="8229600" cy="857250"/>
+            <a:off x="231140" y="243840"/>
+            <a:ext cx="11724640" cy="6377939"/>
+          </a:xfrm>
+          <a:prstGeom prst="rect">
+            <a:avLst/>
+          </a:prstGeom>
+          <a:solidFill>
+            <a:schemeClr val="bg1"/>
+          </a:solidFill>
+          <a:ln w="12700">
+            <a:noFill/>
+          </a:ln>
+        </p:spPr>
+        <p:style>
+          <a:lnRef idx="2">
+            <a:schemeClr val="accent1">
+              <a:shade val="50000"/>
+            </a:schemeClr>
+          </a:lnRef>
+          <a:fillRef idx="1">
+            <a:schemeClr val="accent1"/>
+          </a:fillRef>
+          <a:effectRef idx="0">
+            <a:schemeClr val="accent1"/>
+          </a:effectRef>
+          <a:fontRef idx="minor">
+            <a:schemeClr val="lt1"/>
+          </a:fontRef>
+        </p:style>
+      </p:sp>
+      <p:sp>
+        <p:nvSpPr>
+          <p:cNvPr id="2" name="Title Placeholder 1"/>
+          <p:cNvSpPr>
+            <a:spLocks noGrp="1"/>
+          </p:cNvSpPr>
+          <p:nvPr>
+            <p:ph type="title"/>
+          </p:nvPr>
+        </p:nvSpPr>
+        <p:spPr>
+          <a:xfrm>
+            <a:off x="1143000" y="609600"/>
+            <a:ext cx="9875520" cy="1356360"/>
           </a:xfrm>
           <a:prstGeom prst="rect">
             <a:avLst/>
@@ -2620,6 +2848,7 @@
               <a:rPr lang="en-US"/>
               <a:t>Click to edit Master title style</a:t>
             </a:r>
+            <a:endParaRPr dirty="0" lang="en-US"/>
           </a:p>
         </p:txBody>
       </p:sp>
@@ -2635,8 +2864,8 @@
         </p:nvSpPr>
         <p:spPr>
           <a:xfrm>
-            <a:off x="457200" y="1200151"/>
-            <a:ext cx="8229600" cy="3394472"/>
+            <a:off x="1143000" y="2057400"/>
+            <a:ext cx="9872871" cy="4038600"/>
           </a:xfrm>
           <a:prstGeom prst="rect">
             <a:avLst/>
@@ -2681,6 +2910,7 @@
               <a:rPr lang="en-US"/>
               <a:t>Fifth level</a:t>
             </a:r>
+            <a:endParaRPr dirty="0" lang="en-US"/>
           </a:p>
         </p:txBody>
       </p:sp>
@@ -2696,8 +2926,8 @@
         </p:nvSpPr>
         <p:spPr>
           <a:xfrm>
-            <a:off x="457200" y="4767263"/>
-            <a:ext cx="2133600" cy="273844"/>
+            <a:off x="1142996" y="6223828"/>
+            <a:ext cx="2329074" cy="365125"/>
           </a:xfrm>
           <a:prstGeom prst="rect">
             <a:avLst/>
@@ -2707,21 +2937,19 @@
           <a:bodyPr anchor="ctr" bIns="45720" lIns="91440" rIns="91440" rtlCol="0" tIns="45720" vert="horz"/>
           <a:lstStyle>
             <a:lvl1pPr algn="l">
-              <a:defRPr sz="900">
+              <a:defRPr sz="1200">
                 <a:solidFill>
-                  <a:schemeClr val="tx1">
-                    <a:tint val="75000"/>
-                  </a:schemeClr>
+                  <a:schemeClr val="accent1"/>
                 </a:solidFill>
               </a:defRPr>
             </a:lvl1pPr>
           </a:lstStyle>
           <a:p>
-            <a:fld id="{241EB5C9-1307-BA42-ABA2-0BC069CD8E7F}" type="datetimeFigureOut">
-              <a:rPr lang="en-US" smtClean="0"/>
-              <a:t>1/2/22</a:t>
+            <a:fld id="{9083B048-925F-49FF-A9F3-366F3EC5EF71}" type="datetimeFigureOut">
+              <a:rPr lang="en-ZA" smtClean="0"/>
+              <a:t>2025/06/18</a:t>
             </a:fld>
-            <a:endParaRPr lang="en-US"/>
+            <a:endParaRPr lang="en-ZA"/>
           </a:p>
         </p:txBody>
       </p:sp>
@@ -2737,8 +2965,8 @@
         </p:nvSpPr>
         <p:spPr>
           <a:xfrm>
-            <a:off x="3124200" y="4767263"/>
-            <a:ext cx="2895600" cy="273844"/>
+            <a:off x="3949148" y="6223828"/>
+            <a:ext cx="4717774" cy="365125"/>
           </a:xfrm>
           <a:prstGeom prst="rect">
             <a:avLst/>
@@ -2748,17 +2976,15 @@
           <a:bodyPr anchor="ctr" bIns="45720" lIns="91440" rIns="91440" rtlCol="0" tIns="45720" vert="horz"/>
           <a:lstStyle>
             <a:lvl1pPr algn="ctr">
-              <a:defRPr sz="900">
+              <a:defRPr sz="1200">
                 <a:solidFill>
-                  <a:schemeClr val="tx1">
-                    <a:tint val="75000"/>
-                  </a:schemeClr>
+                  <a:schemeClr val="accent1"/>
                 </a:solidFill>
               </a:defRPr>
             </a:lvl1pPr>
           </a:lstStyle>
           <a:p>
-            <a:endParaRPr lang="en-US"/>
+            <a:endParaRPr lang="en-ZA"/>
           </a:p>
         </p:txBody>
       </p:sp>
@@ -2774,8 +3000,8 @@
         </p:nvSpPr>
         <p:spPr>
           <a:xfrm>
-            <a:off x="6553200" y="4767263"/>
-            <a:ext cx="2133600" cy="273844"/>
+            <a:off x="9329530" y="6223828"/>
+            <a:ext cx="1706217" cy="365125"/>
           </a:xfrm>
           <a:prstGeom prst="rect">
             <a:avLst/>
@@ -2785,55 +3011,56 @@
           <a:bodyPr anchor="ctr" bIns="45720" lIns="91440" rIns="91440" rtlCol="0" tIns="45720" vert="horz"/>
           <a:lstStyle>
             <a:lvl1pPr algn="r">
-              <a:defRPr sz="900">
+              <a:defRPr sz="1200">
                 <a:solidFill>
-                  <a:schemeClr val="tx1">
-                    <a:tint val="75000"/>
-                  </a:schemeClr>
+                  <a:schemeClr val="accent1"/>
                 </a:solidFill>
               </a:defRPr>
             </a:lvl1pPr>
           </a:lstStyle>
           <a:p>
-            <a:fld id="{C5EF2332-01BF-834F-8236-50238282D533}" type="slidenum">
-              <a:rPr lang="en-US" smtClean="0"/>
+            <a:fld id="{A6DA7E1B-D9E7-4CFC-9D1A-552D05D3E0E8}" type="slidenum">
+              <a:rPr lang="en-ZA" smtClean="0"/>
               <a:t>‹#›</a:t>
             </a:fld>
-            <a:endParaRPr lang="en-US"/>
+            <a:endParaRPr lang="en-ZA"/>
           </a:p>
         </p:txBody>
       </p:sp>
     </p:spTree>
     <p:extLst>
       <p:ext uri="{BB962C8B-B14F-4D97-AF65-F5344CB8AC3E}">
-        <p14:creationId xmlns:p14="http://schemas.microsoft.com/office/powerpoint/2010/main" val="3676200875"/>
+        <p14:creationId xmlns:p14="http://schemas.microsoft.com/office/powerpoint/2010/main" val="685524628"/>
       </p:ext>
     </p:extLst>
   </p:cSld>
   <p:clrMap accent1="accent1" accent2="accent2" accent3="accent3" accent4="accent4" accent5="accent5" accent6="accent6" bg1="lt1" bg2="lt2" folHlink="folHlink" hlink="hlink" tx1="dk1" tx2="dk2"/>
   <p:sldLayoutIdLst>
-    <p:sldLayoutId id="2147483649" r:id="rId1"/>
-    <p:sldLayoutId id="2147483650" r:id="rId2"/>
-    <p:sldLayoutId id="2147483651" r:id="rId3"/>
-    <p:sldLayoutId id="2147483652" r:id="rId4"/>
-    <p:sldLayoutId id="2147483653" r:id="rId5"/>
-    <p:sldLayoutId id="2147483654" r:id="rId6"/>
-    <p:sldLayoutId id="2147483655" r:id="rId7"/>
-    <p:sldLayoutId id="2147483656" r:id="rId8"/>
-    <p:sldLayoutId id="2147483657" r:id="rId9"/>
-    <p:sldLayoutId id="2147483658" r:id="rId10"/>
-    <p:sldLayoutId id="2147483659" r:id="rId11"/>
+    <p:sldLayoutId id="2147483709" r:id="rId1"/>
+    <p:sldLayoutId id="2147483710" r:id="rId2"/>
+    <p:sldLayoutId id="2147483711" r:id="rId3"/>
+    <p:sldLayoutId id="2147483712" r:id="rId4"/>
+    <p:sldLayoutId id="2147483713" r:id="rId5"/>
+    <p:sldLayoutId id="2147483714" r:id="rId6"/>
+    <p:sldLayoutId id="2147483715" r:id="rId7"/>
+    <p:sldLayoutId id="2147483716" r:id="rId8"/>
+    <p:sldLayoutId id="2147483717" r:id="rId9"/>
+    <p:sldLayoutId id="2147483718" r:id="rId10"/>
+    <p:sldLayoutId id="2147483719" r:id="rId11"/>
   </p:sldLayoutIdLst>
   <p:txStyles>
     <p:titleStyle>
-      <a:lvl1pPr algn="ctr" defTabSz="342900" eaLnBrk="1" hangingPunct="1" latinLnBrk="0" rtl="0">
+      <a:lvl1pPr algn="l" defTabSz="914400" eaLnBrk="1" hangingPunct="1" latinLnBrk="0" rtl="0">
+        <a:lnSpc>
+          <a:spcPct val="90000"/>
+        </a:lnSpc>
         <a:spcBef>
           <a:spcPct val="0"/>
         </a:spcBef>
         <a:buNone/>
-        <a:defRPr kern="1200" sz="3300">
+        <a:defRPr kern="1200" sz="4400">
           <a:solidFill>
-            <a:schemeClr val="tx1"/>
+            <a:schemeClr val="accent1"/>
           </a:solidFill>
           <a:latin typeface="+mj-lt"/>
           <a:ea typeface="+mj-ea"/>
@@ -2842,135 +3069,222 @@
       </a:lvl1pPr>
     </p:titleStyle>
     <p:bodyStyle>
-      <a:lvl1pPr algn="l" defTabSz="342900" eaLnBrk="1" hangingPunct="1" indent="-342900" latinLnBrk="0" marL="342900" rtl="0">
+      <a:lvl1pPr algn="l" defTabSz="914400" eaLnBrk="1" hangingPunct="1" indent="-182880" latinLnBrk="0" marL="228600" rtl="0">
+        <a:lnSpc>
+          <a:spcPct val="90000"/>
+        </a:lnSpc>
         <a:spcBef>
-          <a:spcPct val="20000"/>
+          <a:spcPts val="1400"/>
         </a:spcBef>
-        <a:buFont typeface="Arial"/>
+        <a:buClr>
+          <a:schemeClr val="accent1"/>
+        </a:buClr>
+        <a:buSzPct val="80000"/>
+        <a:buFont charset="0" pitchFamily="34" typeface="Corbel"/>
         <a:buChar char="•"/>
-        <a:defRPr kern="1200" sz="2400">
+        <a:defRPr kern="1200" sz="2200">
           <a:solidFill>
-            <a:schemeClr val="tx1"/>
+            <a:schemeClr val="accent1"/>
           </a:solidFill>
           <a:latin typeface="+mn-lt"/>
           <a:ea typeface="+mn-ea"/>
           <a:cs typeface="+mn-cs"/>
         </a:defRPr>
       </a:lvl1pPr>
-      <a:lvl2pPr algn="l" defTabSz="342900" eaLnBrk="1" hangingPunct="1" indent="-342900" latinLnBrk="0" marL="685800" rtl="0">
+      <a:lvl2pPr algn="l" defTabSz="914400" eaLnBrk="1" hangingPunct="1" indent="-182880" latinLnBrk="0" marL="457200" rtl="0">
+        <a:lnSpc>
+          <a:spcPct val="90000"/>
+        </a:lnSpc>
         <a:spcBef>
-          <a:spcPct val="20000"/>
+          <a:spcPts val="200"/>
         </a:spcBef>
-        <a:buFont typeface="Arial"/>
-        <a:buChar char="–"/>
-        <a:defRPr kern="1200" sz="2100">
+        <a:spcAft>
+          <a:spcPts val="400"/>
+        </a:spcAft>
+        <a:buClr>
+          <a:schemeClr val="accent1"/>
+        </a:buClr>
+        <a:buSzPct val="80000"/>
+        <a:buFont charset="0" pitchFamily="34" typeface="Corbel"/>
+        <a:buChar char="•"/>
+        <a:defRPr kern="1200" sz="2000">
           <a:solidFill>
-            <a:schemeClr val="tx1"/>
+            <a:schemeClr val="accent1"/>
           </a:solidFill>
           <a:latin typeface="+mn-lt"/>
           <a:ea typeface="+mn-ea"/>
           <a:cs typeface="+mn-cs"/>
         </a:defRPr>
       </a:lvl2pPr>
-      <a:lvl3pPr algn="l" defTabSz="342900" eaLnBrk="1" hangingPunct="1" indent="-342900" latinLnBrk="0" marL="1028700" rtl="0">
+      <a:lvl3pPr algn="l" defTabSz="914400" eaLnBrk="1" hangingPunct="1" indent="-182880" latinLnBrk="0" marL="731520" rtl="0">
+        <a:lnSpc>
+          <a:spcPct val="90000"/>
+        </a:lnSpc>
         <a:spcBef>
-          <a:spcPct val="20000"/>
+          <a:spcPts val="200"/>
         </a:spcBef>
-        <a:buFont typeface="Arial"/>
+        <a:spcAft>
+          <a:spcPts val="400"/>
+        </a:spcAft>
+        <a:buClr>
+          <a:schemeClr val="accent1"/>
+        </a:buClr>
+        <a:buSzPct val="80000"/>
+        <a:buFont charset="0" pitchFamily="34" typeface="Corbel"/>
         <a:buChar char="•"/>
         <a:defRPr kern="1200" sz="1800">
           <a:solidFill>
-            <a:schemeClr val="tx1"/>
+            <a:schemeClr val="accent1"/>
           </a:solidFill>
           <a:latin typeface="+mn-lt"/>
           <a:ea typeface="+mn-ea"/>
           <a:cs typeface="+mn-cs"/>
         </a:defRPr>
       </a:lvl3pPr>
-      <a:lvl4pPr algn="l" defTabSz="342900" eaLnBrk="1" hangingPunct="1" indent="-342900" latinLnBrk="0" marL="1371600" rtl="0">
+      <a:lvl4pPr algn="l" defTabSz="914400" eaLnBrk="1" hangingPunct="1" indent="-182880" latinLnBrk="0" marL="1005840" rtl="0">
+        <a:lnSpc>
+          <a:spcPct val="90000"/>
+        </a:lnSpc>
         <a:spcBef>
-          <a:spcPct val="20000"/>
+          <a:spcPts val="200"/>
         </a:spcBef>
-        <a:buFont typeface="Arial"/>
-        <a:buChar char="–"/>
-        <a:defRPr kern="1200" sz="1500">
+        <a:spcAft>
+          <a:spcPts val="400"/>
+        </a:spcAft>
+        <a:buClr>
+          <a:schemeClr val="accent1"/>
+        </a:buClr>
+        <a:buSzPct val="80000"/>
+        <a:buFont charset="0" pitchFamily="34" typeface="Corbel"/>
+        <a:buChar char="•"/>
+        <a:defRPr kern="1200" sz="1600">
           <a:solidFill>
-            <a:schemeClr val="tx1"/>
+            <a:schemeClr val="accent1"/>
           </a:solidFill>
           <a:latin typeface="+mn-lt"/>
           <a:ea typeface="+mn-ea"/>
           <a:cs typeface="+mn-cs"/>
         </a:defRPr>
       </a:lvl4pPr>
-      <a:lvl5pPr algn="l" defTabSz="342900" eaLnBrk="1" hangingPunct="1" indent="-342900" latinLnBrk="0" marL="1714500" rtl="0">
+      <a:lvl5pPr algn="l" defTabSz="914400" eaLnBrk="1" hangingPunct="1" indent="-182880" latinLnBrk="0" marL="1280160" rtl="0">
+        <a:lnSpc>
+          <a:spcPct val="90000"/>
+        </a:lnSpc>
         <a:spcBef>
-          <a:spcPct val="20000"/>
+          <a:spcPts val="200"/>
         </a:spcBef>
-        <a:buFont typeface="Arial"/>
-        <a:buChar char="»"/>
-        <a:defRPr kern="1200" sz="1500">
+        <a:spcAft>
+          <a:spcPts val="400"/>
+        </a:spcAft>
+        <a:buClr>
+          <a:schemeClr val="accent1"/>
+        </a:buClr>
+        <a:buSzPct val="80000"/>
+        <a:buFont charset="0" pitchFamily="34" typeface="Corbel"/>
+        <a:buChar char="•"/>
+        <a:defRPr kern="1200" sz="1600">
           <a:solidFill>
-            <a:schemeClr val="tx1"/>
+            <a:schemeClr val="accent1"/>
           </a:solidFill>
           <a:latin typeface="+mn-lt"/>
           <a:ea typeface="+mn-ea"/>
           <a:cs typeface="+mn-cs"/>
         </a:defRPr>
       </a:lvl5pPr>
-      <a:lvl6pPr algn="l" defTabSz="342900" eaLnBrk="1" hangingPunct="1" indent="-342900" latinLnBrk="0" marL="2057400" rtl="0">
+      <a:lvl6pPr algn="l" defTabSz="914400" eaLnBrk="1" hangingPunct="1" indent="-228600" latinLnBrk="0" marL="1600000" rtl="0">
+        <a:lnSpc>
+          <a:spcPct val="90000"/>
+        </a:lnSpc>
         <a:spcBef>
-          <a:spcPct val="20000"/>
+          <a:spcPts val="200"/>
         </a:spcBef>
-        <a:buFont typeface="Arial"/>
+        <a:spcAft>
+          <a:spcPts val="400"/>
+        </a:spcAft>
+        <a:buClr>
+          <a:schemeClr val="accent1"/>
+        </a:buClr>
+        <a:buSzPct val="80000"/>
+        <a:buFont charset="0" pitchFamily="34" typeface="Corbel"/>
         <a:buChar char="•"/>
-        <a:defRPr kern="1200" sz="1500">
+        <a:defRPr kern="1200" sz="1600">
           <a:solidFill>
-            <a:schemeClr val="tx1"/>
+            <a:schemeClr val="accent1"/>
           </a:solidFill>
           <a:latin typeface="+mn-lt"/>
           <a:ea typeface="+mn-ea"/>
           <a:cs typeface="+mn-cs"/>
         </a:defRPr>
       </a:lvl6pPr>
-      <a:lvl7pPr algn="l" defTabSz="342900" eaLnBrk="1" hangingPunct="1" indent="-342900" latinLnBrk="0" marL="2400300" rtl="0">
+      <a:lvl7pPr algn="l" defTabSz="914400" eaLnBrk="1" hangingPunct="1" indent="-228600" latinLnBrk="0" marL="1900000" rtl="0">
+        <a:lnSpc>
+          <a:spcPct val="90000"/>
+        </a:lnSpc>
         <a:spcBef>
-          <a:spcPct val="20000"/>
+          <a:spcPts val="200"/>
         </a:spcBef>
-        <a:buFont typeface="Arial"/>
+        <a:spcAft>
+          <a:spcPts val="400"/>
+        </a:spcAft>
+        <a:buClr>
+          <a:schemeClr val="accent1"/>
+        </a:buClr>
+        <a:buSzPct val="80000"/>
+        <a:buFont charset="0" pitchFamily="34" typeface="Corbel"/>
         <a:buChar char="•"/>
-        <a:defRPr kern="1200" sz="1500">
+        <a:defRPr kern="1200" sz="1600">
           <a:solidFill>
-            <a:schemeClr val="tx1"/>
+            <a:schemeClr val="accent1"/>
           </a:solidFill>
           <a:latin typeface="+mn-lt"/>
           <a:ea typeface="+mn-ea"/>
           <a:cs typeface="+mn-cs"/>
         </a:defRPr>
       </a:lvl7pPr>
-      <a:lvl8pPr algn="l" defTabSz="342900" eaLnBrk="1" hangingPunct="1" indent="-342900" latinLnBrk="0" marL="2743200" rtl="0">
+      <a:lvl8pPr algn="l" defTabSz="914400" eaLnBrk="1" hangingPunct="1" indent="-228600" latinLnBrk="0" marL="2200000" rtl="0">
+        <a:lnSpc>
+          <a:spcPct val="90000"/>
+        </a:lnSpc>
         <a:spcBef>
-          <a:spcPct val="20000"/>
+          <a:spcPts val="200"/>
         </a:spcBef>
-        <a:buFont typeface="Arial"/>
+        <a:spcAft>
+          <a:spcPts val="400"/>
+        </a:spcAft>
+        <a:buClr>
+          <a:schemeClr val="accent1"/>
+        </a:buClr>
+        <a:buSzPct val="80000"/>
+        <a:buFont charset="0" pitchFamily="34" typeface="Corbel"/>
         <a:buChar char="•"/>
-        <a:defRPr kern="1200" sz="1500">
+        <a:defRPr kern="1200" sz="1600">
           <a:solidFill>
-            <a:schemeClr val="tx1"/>
+            <a:schemeClr val="accent1"/>
           </a:solidFill>
           <a:latin typeface="+mn-lt"/>
           <a:ea typeface="+mn-ea"/>
           <a:cs typeface="+mn-cs"/>
         </a:defRPr>
       </a:lvl8pPr>
-      <a:lvl9pPr algn="l" defTabSz="342900" eaLnBrk="1" hangingPunct="1" indent="-342900" latinLnBrk="0" marL="3086100" rtl="0">
+      <a:lvl9pPr algn="l" defTabSz="914400" eaLnBrk="1" hangingPunct="1" indent="-228600" latinLnBrk="0" marL="2500000" rtl="0">
+        <a:lnSpc>
+          <a:spcPct val="90000"/>
+        </a:lnSpc>
         <a:spcBef>
-          <a:spcPct val="20000"/>
+          <a:spcPts val="200"/>
         </a:spcBef>
-        <a:buFont typeface="Arial"/>
+        <a:spcAft>
+          <a:spcPts val="400"/>
+        </a:spcAft>
+        <a:buClr>
+          <a:schemeClr val="accent1"/>
+        </a:buClr>
+        <a:buSzPct val="80000"/>
+        <a:buFont charset="0" pitchFamily="34" typeface="Corbel"/>
         <a:buChar char="•"/>
-        <a:defRPr kern="1200" sz="1500">
+        <a:defRPr kern="1200" sz="1600">
           <a:solidFill>
-            <a:schemeClr val="tx1"/>
+            <a:schemeClr val="accent1"/>
           </a:solidFill>
           <a:latin typeface="+mn-lt"/>
           <a:ea typeface="+mn-ea"/>
@@ -2982,8 +3296,8 @@
       <a:defPPr>
         <a:defRPr lang="en-US"/>
       </a:defPPr>
-      <a:lvl1pPr algn="l" defTabSz="342900" eaLnBrk="1" hangingPunct="1" latinLnBrk="0" marL="0" rtl="0">
-        <a:defRPr kern="1200" sz="1350">
+      <a:lvl1pPr algn="l" defTabSz="914400" eaLnBrk="1" hangingPunct="1" latinLnBrk="0" marL="0" rtl="0">
+        <a:defRPr kern="1200" sz="1800">
           <a:solidFill>
             <a:schemeClr val="tx1"/>
           </a:solidFill>
@@ -2992,8 +3306,8 @@
           <a:cs typeface="+mn-cs"/>
         </a:defRPr>
       </a:lvl1pPr>
-      <a:lvl2pPr algn="l" defTabSz="342900" eaLnBrk="1" hangingPunct="1" latinLnBrk="0" marL="342900" rtl="0">
-        <a:defRPr kern="1200" sz="1350">
+      <a:lvl2pPr algn="l" defTabSz="914400" eaLnBrk="1" hangingPunct="1" latinLnBrk="0" marL="457200" rtl="0">
+        <a:defRPr kern="1200" sz="1800">
           <a:solidFill>
             <a:schemeClr val="tx1"/>
           </a:solidFill>
@@ -3002,8 +3316,8 @@
           <a:cs typeface="+mn-cs"/>
         </a:defRPr>
       </a:lvl2pPr>
-      <a:lvl3pPr algn="l" defTabSz="342900" eaLnBrk="1" hangingPunct="1" latinLnBrk="0" marL="685800" rtl="0">
-        <a:defRPr kern="1200" sz="1350">
+      <a:lvl3pPr algn="l" defTabSz="914400" eaLnBrk="1" hangingPunct="1" latinLnBrk="0" marL="914400" rtl="0">
+        <a:defRPr kern="1200" sz="1800">
           <a:solidFill>
             <a:schemeClr val="tx1"/>
           </a:solidFill>
@@ -3012,8 +3326,8 @@
           <a:cs typeface="+mn-cs"/>
         </a:defRPr>
       </a:lvl3pPr>
-      <a:lvl4pPr algn="l" defTabSz="342900" eaLnBrk="1" hangingPunct="1" latinLnBrk="0" marL="1028700" rtl="0">
-        <a:defRPr kern="1200" sz="1350">
+      <a:lvl4pPr algn="l" defTabSz="914400" eaLnBrk="1" hangingPunct="1" latinLnBrk="0" marL="1371600" rtl="0">
+        <a:defRPr kern="1200" sz="1800">
           <a:solidFill>
             <a:schemeClr val="tx1"/>
           </a:solidFill>
@@ -3022,8 +3336,8 @@
           <a:cs typeface="+mn-cs"/>
         </a:defRPr>
       </a:lvl4pPr>
-      <a:lvl5pPr algn="l" defTabSz="342900" eaLnBrk="1" hangingPunct="1" latinLnBrk="0" marL="1371600" rtl="0">
-        <a:defRPr kern="1200" sz="1350">
+      <a:lvl5pPr algn="l" defTabSz="914400" eaLnBrk="1" hangingPunct="1" latinLnBrk="0" marL="1828800" rtl="0">
+        <a:defRPr kern="1200" sz="1800">
           <a:solidFill>
             <a:schemeClr val="tx1"/>
           </a:solidFill>
@@ -3032,8 +3346,8 @@
           <a:cs typeface="+mn-cs"/>
         </a:defRPr>
       </a:lvl5pPr>
-      <a:lvl6pPr algn="l" defTabSz="342900" eaLnBrk="1" hangingPunct="1" latinLnBrk="0" marL="1714500" rtl="0">
-        <a:defRPr kern="1200" sz="1350">
+      <a:lvl6pPr algn="l" defTabSz="914400" eaLnBrk="1" hangingPunct="1" latinLnBrk="0" marL="2286000" rtl="0">
+        <a:defRPr kern="1200" sz="1800">
           <a:solidFill>
             <a:schemeClr val="tx1"/>
           </a:solidFill>
@@ -3042,8 +3356,8 @@
           <a:cs typeface="+mn-cs"/>
         </a:defRPr>
       </a:lvl6pPr>
-      <a:lvl7pPr algn="l" defTabSz="342900" eaLnBrk="1" hangingPunct="1" latinLnBrk="0" marL="2057400" rtl="0">
-        <a:defRPr kern="1200" sz="1350">
+      <a:lvl7pPr algn="l" defTabSz="914400" eaLnBrk="1" hangingPunct="1" latinLnBrk="0" marL="2743200" rtl="0">
+        <a:defRPr kern="1200" sz="1800">
           <a:solidFill>
             <a:schemeClr val="tx1"/>
           </a:solidFill>
@@ -3052,8 +3366,8 @@
           <a:cs typeface="+mn-cs"/>
         </a:defRPr>
       </a:lvl7pPr>
-      <a:lvl8pPr algn="l" defTabSz="342900" eaLnBrk="1" hangingPunct="1" latinLnBrk="0" marL="2400300" rtl="0">
-        <a:defRPr kern="1200" sz="1350">
+      <a:lvl8pPr algn="l" defTabSz="914400" eaLnBrk="1" hangingPunct="1" latinLnBrk="0" marL="3200400" rtl="0">
+        <a:defRPr kern="1200" sz="1800">
           <a:solidFill>
             <a:schemeClr val="tx1"/>
           </a:solidFill>
@@ -3062,8 +3376,8 @@
           <a:cs typeface="+mn-cs"/>
         </a:defRPr>
       </a:lvl8pPr>
-      <a:lvl9pPr algn="l" defTabSz="342900" eaLnBrk="1" hangingPunct="1" latinLnBrk="0" marL="2743200" rtl="0">
-        <a:defRPr kern="1200" sz="1350">
+      <a:lvl9pPr algn="l" defTabSz="914400" eaLnBrk="1" hangingPunct="1" latinLnBrk="0" marL="3657600" rtl="0">
+        <a:defRPr kern="1200" sz="1800">
           <a:solidFill>
             <a:schemeClr val="tx1"/>
           </a:solidFill>
@@ -3106,8 +3420,8 @@
         </p:nvSpPr>
         <p:spPr>
           <a:xfrm>
-            <a:off x="685800" y="1597819"/>
-            <a:ext cx="7772400" cy="1102519"/>
+            <a:off x="1109980" y="882376"/>
+            <a:ext cx="9966960" cy="2926080"/>
           </a:xfrm>
         </p:spPr>
         <p:txBody>
@@ -3136,8 +3450,8 @@
         </p:nvSpPr>
         <p:spPr>
           <a:xfrm>
-            <a:off x="1371600" y="2914650"/>
-            <a:ext cx="6400800" cy="1314450"/>
+            <a:off x="1709530" y="3869634"/>
+            <a:ext cx="8767860" cy="1388165"/>
           </a:xfrm>
         </p:spPr>
         <p:txBody>
@@ -3149,7 +3463,7 @@
             </a:pPr>
             <a:r>
               <a:rPr/>
-              <a:t>Or is it a nap?</a:t>
+              <a:t>Or is it a Nap?</a:t>
             </a:r>
             <a:br/>
             <a:br/>
@@ -3227,7 +3541,7 @@
             </a:pPr>
             <a:r>
               <a:rPr/>
-              <a:t>R Markdown</a:t>
+              <a:t>Health is Wealth</a:t>
             </a:r>
           </a:p>
         </p:txBody>
@@ -3252,17 +3566,16 @@
             </a:pPr>
             <a:r>
               <a:rPr/>
-              <a:t>This is an R Markdown presentation. Markdown is a simple formatting syntax for authoring HTML, PDF, and MS Word documents. For more details on using R Markdown see </a:t>
-            </a:r>
-            <a:r>
-              <a:rPr>
-                <a:hlinkClick r:id="rId2"/>
-              </a:rPr>
-              <a:t>http://rmarkdown.rstudio.com</a:t>
-            </a:r>
+              <a:t>Taking care of one’s health is crucial because it impacts overall well-being, including physical, mental, and emotional health, which in turn affects daily life, productivity, and longevity.</a:t>
+            </a:r>
+          </a:p>
+          <a:p>
+            <a:pPr lvl="0" indent="0" marL="0">
+              <a:buNone/>
+            </a:pPr>
             <a:r>
               <a:rPr/>
-              <a:t>.</a:t>
+              <a:t>Good health allows individuals to function optimally, cope with stress, and enjoy a higher quality of life.</a:t>
             </a:r>
           </a:p>
         </p:txBody>
@@ -3309,7 +3622,7 @@
             </a:pPr>
             <a:r>
               <a:rPr/>
-              <a:t>Slide with Bullets</a:t>
+              <a:t>What is BMR?</a:t>
             </a:r>
           </a:p>
         </p:txBody>
@@ -3329,24 +3642,39 @@
           <a:bodyPr/>
           <a:lstStyle/>
           <a:p>
-            <a:pPr lvl="0"/>
+            <a:pPr lvl="0" indent="0" marL="0">
+              <a:buNone/>
+            </a:pPr>
             <a:r>
               <a:rPr/>
-              <a:t>Bullet 1</a:t>
-            </a:r>
-          </a:p>
-          <a:p>
-            <a:pPr lvl="0"/>
+              <a:t>Basal metabolic rate is the speed at which your body performs basic metabolic functions.</a:t>
+            </a:r>
+          </a:p>
+          <a:p>
+            <a:pPr lvl="0" indent="0" marL="0">
+              <a:buNone/>
+            </a:pPr>
             <a:r>
               <a:rPr/>
-              <a:t>Bullet 2</a:t>
-            </a:r>
-          </a:p>
-          <a:p>
-            <a:pPr lvl="0"/>
+              <a:t>It the rate at which your body burns calories while at rest, performing essential functions like breathing and circulation.</a:t>
+            </a:r>
+          </a:p>
+          <a:p>
+            <a:pPr lvl="0" indent="0" marL="0">
+              <a:buNone/>
+            </a:pPr>
             <a:r>
               <a:rPr/>
-              <a:t>Bullet 3</a:t>
+              <a:t>It represents the minimum number of calories needed to keep your body functioning at a basic level.</a:t>
+            </a:r>
+          </a:p>
+          <a:p>
+            <a:pPr lvl="0" indent="0" marL="0">
+              <a:buNone/>
+            </a:pPr>
+            <a:r>
+              <a:rPr/>
+              <a:t>Essentially, it’s the energy your body uses just to stay alive when you’re not actively doing anything.</a:t>
             </a:r>
           </a:p>
         </p:txBody>
@@ -3393,60 +3721,67 @@
             </a:pPr>
             <a:r>
               <a:rPr/>
-              <a:t>Slide with R Output</a:t>
-            </a:r>
-          </a:p>
-        </p:txBody>
-      </p:sp>
-      <p:sp>
-        <p:nvSpPr>
-          <p:cNvPr id="3" name="Content Placeholder 2"/>
-          <p:cNvSpPr>
-            <a:spLocks noGrp="1"/>
-          </p:cNvSpPr>
-          <p:nvPr>
-            <p:ph idx="1"/>
-          </p:nvPr>
-        </p:nvSpPr>
-        <p:spPr/>
-        <p:txBody>
-          <a:bodyPr/>
-          <a:lstStyle/>
-          <a:p>
-            <a:pPr lvl="0" indent="0">
+              <a:t>A healthy BMR threshold</a:t>
+            </a:r>
+          </a:p>
+        </p:txBody>
+      </p:sp>
+      <p:pic>
+        <p:nvPicPr>
+          <p:cNvPr descr="figures/Basal_Metabolic_Rate_Ideal_Values.png" id="0" name="Picture 1"/>
+          <p:cNvPicPr>
+            <a:picLocks noGrp="1" noChangeAspect="1"/>
+          </p:cNvPicPr>
+          <p:nvPr/>
+        </p:nvPicPr>
+        <p:blipFill>
+          <a:blip r:embed="rId2"/>
+          <a:stretch>
+            <a:fillRect/>
+          </a:stretch>
+        </p:blipFill>
+        <p:spPr bwMode="auto">
+          <a:xfrm>
+            <a:off x="3683000" y="2057400"/>
+            <a:ext cx="4775200" cy="3530600"/>
+          </a:xfrm>
+          <a:prstGeom prst="rect">
+            <a:avLst/>
+          </a:prstGeom>
+          <a:noFill/>
+          <a:ln w="9525">
+            <a:noFill/>
+            <a:headEnd/>
+            <a:tailEnd/>
+          </a:ln>
+        </p:spPr>
+      </p:pic>
+      <p:sp>
+        <p:nvSpPr>
+          <p:cNvPr id="1" name="TextBox 3"/>
+          <p:cNvSpPr txBox="1"/>
+          <p:nvPr/>
+        </p:nvSpPr>
+        <p:spPr>
+          <a:xfrm>
+            <a:off x="1143000" y="5588000"/>
+            <a:ext cx="9867900" cy="508000"/>
+          </a:xfrm>
+          <a:prstGeom prst="rect">
+            <a:avLst/>
+          </a:prstGeom>
+          <a:noFill/>
+        </p:spPr>
+        <p:txBody>
+          <a:bodyPr/>
+          <a:lstStyle/>
+          <a:p>
+            <a:pPr lvl="0" indent="0" marL="0" algn="ctr">
               <a:buNone/>
             </a:pPr>
             <a:r>
-              <a:rPr>
-                <a:solidFill>
-                  <a:srgbClr val="06287E"/>
-                </a:solidFill>
-                <a:latin typeface="Courier"/>
-              </a:rPr>
-              <a:t>summary</a:t>
-            </a:r>
-            <a:r>
-              <a:rPr>
-                <a:latin typeface="Courier"/>
-              </a:rPr>
-              <a:t>(cars)</a:t>
-            </a:r>
-          </a:p>
-          <a:p>
-            <a:pPr lvl="0" indent="0">
-              <a:buNone/>
-            </a:pPr>
-            <a:r>
-              <a:rPr>
-                <a:latin typeface="Courier"/>
-              </a:rPr>
-              <a:t>##      speed           dist       
-##  Min.   : 4.0   Min.   :  2.00  
-##  1st Qu.:12.0   1st Qu.: 26.00  
-##  Median :15.0   Median : 36.00  
-##  Mean   :15.4   Mean   : 42.98  
-##  3rd Qu.:19.0   3rd Qu.: 56.00  
-##  Max.   :25.0   Max.   :120.00</a:t>
+              <a:rPr/>
+              <a:t>The Ideal BMR by gender and age</a:t>
             </a:r>
           </a:p>
         </p:txBody>
@@ -3493,14 +3828,119 @@
             </a:pPr>
             <a:r>
               <a:rPr/>
-              <a:t>Slide with Plot</a:t>
+              <a:t>Determinants of BMR</a:t>
+            </a:r>
+          </a:p>
+        </p:txBody>
+      </p:sp>
+      <p:sp>
+        <p:nvSpPr>
+          <p:cNvPr id="3" name="Content Placeholder 2"/>
+          <p:cNvSpPr>
+            <a:spLocks noGrp="1"/>
+          </p:cNvSpPr>
+          <p:nvPr>
+            <p:ph idx="1"/>
+          </p:nvPr>
+        </p:nvSpPr>
+        <p:spPr/>
+        <p:txBody>
+          <a:bodyPr/>
+          <a:lstStyle/>
+          <a:p>
+            <a:pPr lvl="0"/>
+            <a:r>
+              <a:rPr/>
+              <a:t>Age</a:t>
+            </a:r>
+          </a:p>
+          <a:p>
+            <a:pPr lvl="0"/>
+            <a:r>
+              <a:rPr/>
+              <a:t>Muscle mass</a:t>
+            </a:r>
+          </a:p>
+          <a:p>
+            <a:pPr lvl="0"/>
+            <a:r>
+              <a:rPr/>
+              <a:t>Body size</a:t>
+            </a:r>
+          </a:p>
+          <a:p>
+            <a:pPr lvl="0"/>
+            <a:r>
+              <a:rPr/>
+              <a:t>Gender</a:t>
+            </a:r>
+          </a:p>
+          <a:p>
+            <a:pPr lvl="0"/>
+            <a:r>
+              <a:rPr/>
+              <a:t>Physical Activity</a:t>
+            </a:r>
+          </a:p>
+          <a:p>
+            <a:pPr lvl="0"/>
+            <a:r>
+              <a:rPr/>
+              <a:t>Diet</a:t>
+            </a:r>
+          </a:p>
+        </p:txBody>
+      </p:sp>
+    </p:spTree>
+  </p:cSld>
+</p:sld>
+</file>
+
+<file path=ppt/slides/slide6.xml><?xml version="1.0" encoding="utf-8"?>
+<p:sld xmlns:a="http://schemas.openxmlformats.org/drawingml/2006/main" xmlns:r="http://schemas.openxmlformats.org/officeDocument/2006/relationships" xmlns:p="http://schemas.openxmlformats.org/presentationml/2006/main">
+  <p:cSld>
+    <p:spTree>
+      <p:nvGrpSpPr>
+        <p:cNvPr id="1" name=""/>
+        <p:cNvGrpSpPr/>
+        <p:nvPr/>
+      </p:nvGrpSpPr>
+      <p:grpSpPr>
+        <a:xfrm>
+          <a:off x="0" y="0"/>
+          <a:ext cx="0" cy="0"/>
+          <a:chOff x="0" y="0"/>
+          <a:chExt cx="0" cy="0"/>
+        </a:xfrm>
+      </p:grpSpPr>
+      <p:sp>
+        <p:nvSpPr>
+          <p:cNvPr id="2" name="Title 1"/>
+          <p:cNvSpPr>
+            <a:spLocks noGrp="1"/>
+          </p:cNvSpPr>
+          <p:nvPr>
+            <p:ph type="title"/>
+          </p:nvPr>
+        </p:nvSpPr>
+        <p:spPr/>
+        <p:txBody>
+          <a:bodyPr/>
+          <a:lstStyle/>
+          <a:p>
+            <a:pPr lvl="0" indent="0" marL="0">
+              <a:buNone/>
+            </a:pPr>
+            <a:r>
+              <a:rPr/>
+              <a:t>Who is healthy?</a:t>
             </a:r>
           </a:p>
         </p:txBody>
       </p:sp>
       <p:pic>
         <p:nvPicPr>
-          <p:cNvPr descr="Question5ppt_files/figure-pptx/pressure-1.png" id="0" name="Picture 1"/>
+          <p:cNvPr descr="Question5ppt_files/figure-pptx/unnamed-chunk-1-1.png" id="0" name="Picture 1"/>
           <p:cNvPicPr>
             <a:picLocks noGrp="1" noChangeAspect="1"/>
           </p:cNvPicPr>
@@ -3514,8 +3954,8 @@
         </p:blipFill>
         <p:spPr bwMode="auto">
           <a:xfrm>
-            <a:off x="2451100" y="1193800"/>
-            <a:ext cx="4241800" cy="3390900"/>
+            <a:off x="3556000" y="2057400"/>
+            <a:ext cx="5054600" cy="4038600"/>
           </a:xfrm>
           <a:prstGeom prst="rect">
             <a:avLst/>
@@ -3533,10 +3973,218 @@
 </p:sld>
 </file>
 
+<file path=ppt/slides/slide7.xml><?xml version="1.0" encoding="utf-8"?>
+<p:sld xmlns:a="http://schemas.openxmlformats.org/drawingml/2006/main" xmlns:r="http://schemas.openxmlformats.org/officeDocument/2006/relationships" xmlns:p="http://schemas.openxmlformats.org/presentationml/2006/main">
+  <p:cSld>
+    <p:spTree>
+      <p:nvGrpSpPr>
+        <p:cNvPr id="1" name=""/>
+        <p:cNvGrpSpPr/>
+        <p:nvPr/>
+      </p:nvGrpSpPr>
+      <p:grpSpPr>
+        <a:xfrm>
+          <a:off x="0" y="0"/>
+          <a:ext cx="0" cy="0"/>
+          <a:chOff x="0" y="0"/>
+          <a:chExt cx="0" cy="0"/>
+        </a:xfrm>
+      </p:grpSpPr>
+      <p:sp>
+        <p:nvSpPr>
+          <p:cNvPr id="2" name="Title 1"/>
+          <p:cNvSpPr>
+            <a:spLocks noGrp="1"/>
+          </p:cNvSpPr>
+          <p:nvPr>
+            <p:ph type="title"/>
+          </p:nvPr>
+        </p:nvSpPr>
+        <p:spPr/>
+        <p:txBody>
+          <a:bodyPr/>
+          <a:lstStyle/>
+          <a:p>
+            <a:pPr lvl="0" indent="0" marL="0">
+              <a:buNone/>
+            </a:pPr>
+            <a:r>
+              <a:rPr/>
+              <a:t>Let’s look at the stats</a:t>
+            </a:r>
+          </a:p>
+        </p:txBody>
+      </p:sp>
+      <p:pic>
+        <p:nvPicPr>
+          <p:cNvPr descr="Question5ppt_files/figure-pptx/unnamed-chunk-2-1.png" id="0" name="Picture 1"/>
+          <p:cNvPicPr>
+            <a:picLocks noGrp="1" noChangeAspect="1"/>
+          </p:cNvPicPr>
+          <p:nvPr/>
+        </p:nvPicPr>
+        <p:blipFill>
+          <a:blip r:embed="rId2"/>
+          <a:stretch>
+            <a:fillRect/>
+          </a:stretch>
+        </p:blipFill>
+        <p:spPr bwMode="auto">
+          <a:xfrm>
+            <a:off x="3556000" y="2057400"/>
+            <a:ext cx="5054600" cy="4038600"/>
+          </a:xfrm>
+          <a:prstGeom prst="rect">
+            <a:avLst/>
+          </a:prstGeom>
+          <a:noFill/>
+          <a:ln w="9525">
+            <a:noFill/>
+            <a:headEnd/>
+            <a:tailEnd/>
+          </a:ln>
+        </p:spPr>
+      </p:pic>
+    </p:spTree>
+  </p:cSld>
+</p:sld>
+</file>
+
+<file path=ppt/slides/slide8.xml><?xml version="1.0" encoding="utf-8"?>
+<p:sld xmlns:a="http://schemas.openxmlformats.org/drawingml/2006/main" xmlns:r="http://schemas.openxmlformats.org/officeDocument/2006/relationships" xmlns:p="http://schemas.openxmlformats.org/presentationml/2006/main">
+  <p:cSld>
+    <p:spTree>
+      <p:nvGrpSpPr>
+        <p:cNvPr id="1" name=""/>
+        <p:cNvGrpSpPr/>
+        <p:nvPr/>
+      </p:nvGrpSpPr>
+      <p:grpSpPr>
+        <a:xfrm>
+          <a:off x="0" y="0"/>
+          <a:ext cx="0" cy="0"/>
+          <a:chOff x="0" y="0"/>
+          <a:chExt cx="0" cy="0"/>
+        </a:xfrm>
+      </p:grpSpPr>
+      <p:sp>
+        <p:nvSpPr>
+          <p:cNvPr id="2" name="Title 1"/>
+          <p:cNvSpPr>
+            <a:spLocks noGrp="1"/>
+          </p:cNvSpPr>
+          <p:nvPr>
+            <p:ph type="title"/>
+          </p:nvPr>
+        </p:nvSpPr>
+        <p:spPr/>
+        <p:txBody>
+          <a:bodyPr/>
+          <a:lstStyle/>
+          <a:p>
+            <a:pPr lvl="0" indent="0" marL="0">
+              <a:buNone/>
+            </a:pPr>
+            <a:r>
+              <a:rPr/>
+              <a:t>What’s next?</a:t>
+            </a:r>
+          </a:p>
+        </p:txBody>
+      </p:sp>
+      <p:sp>
+        <p:nvSpPr>
+          <p:cNvPr id="3" name="Content Placeholder 2"/>
+          <p:cNvSpPr>
+            <a:spLocks noGrp="1"/>
+          </p:cNvSpPr>
+          <p:nvPr>
+            <p:ph idx="1"/>
+          </p:nvPr>
+        </p:nvSpPr>
+        <p:spPr/>
+        <p:txBody>
+          <a:bodyPr/>
+          <a:lstStyle/>
+          <a:p>
+            <a:pPr lvl="0"/>
+            <a:r>
+              <a:rPr/>
+              <a:t>Sleep more</a:t>
+            </a:r>
+          </a:p>
+          <a:p>
+            <a:pPr lvl="0"/>
+            <a:r>
+              <a:rPr/>
+              <a:t>Exercise less</a:t>
+            </a:r>
+          </a:p>
+          <a:p>
+            <a:pPr lvl="0"/>
+            <a:r>
+              <a:rPr/>
+              <a:t>Stop stressing about your stress levels!</a:t>
+            </a:r>
+          </a:p>
+        </p:txBody>
+      </p:sp>
+    </p:spTree>
+  </p:cSld>
+</p:sld>
+</file>
+
+<file path=ppt/slides/slide9.xml><?xml version="1.0" encoding="utf-8"?>
+<p:sld xmlns:a="http://schemas.openxmlformats.org/drawingml/2006/main" xmlns:r="http://schemas.openxmlformats.org/officeDocument/2006/relationships" xmlns:p="http://schemas.openxmlformats.org/presentationml/2006/main">
+  <p:cSld>
+    <p:spTree>
+      <p:nvGrpSpPr>
+        <p:cNvPr id="1" name=""/>
+        <p:cNvGrpSpPr/>
+        <p:nvPr/>
+      </p:nvGrpSpPr>
+      <p:grpSpPr>
+        <a:xfrm>
+          <a:off x="0" y="0"/>
+          <a:ext cx="0" cy="0"/>
+          <a:chOff x="0" y="0"/>
+          <a:chExt cx="0" cy="0"/>
+        </a:xfrm>
+      </p:grpSpPr>
+      <p:sp>
+        <p:nvSpPr>
+          <p:cNvPr id="2" name="Title 1"/>
+          <p:cNvSpPr>
+            <a:spLocks noGrp="1"/>
+          </p:cNvSpPr>
+          <p:nvPr>
+            <p:ph type="title"/>
+          </p:nvPr>
+        </p:nvSpPr>
+        <p:spPr/>
+        <p:txBody>
+          <a:bodyPr/>
+          <a:lstStyle/>
+          <a:p>
+            <a:pPr lvl="0" indent="0" marL="0">
+              <a:buNone/>
+            </a:pPr>
+            <a:r>
+              <a:rPr/>
+              <a:t>Thanks for listening!</a:t>
+            </a:r>
+          </a:p>
+        </p:txBody>
+      </p:sp>
+    </p:spTree>
+  </p:cSld>
+</p:sld>
+</file>
+
 <file path=ppt/theme/theme1.xml><?xml version="1.0" encoding="utf-8"?>
-<a:theme xmlns:a="http://schemas.openxmlformats.org/drawingml/2006/main" name="Office Theme">
+<a:theme xmlns:a="http://schemas.openxmlformats.org/drawingml/2006/main" name="Basis">
   <a:themeElements>
-    <a:clrScheme name="Office">
+    <a:clrScheme name="Basis">
       <a:dk1>
         <a:sysClr val="windowText" lastClr="000000"/>
       </a:dk1>
@@ -3544,83 +4192,48 @@
         <a:sysClr val="window" lastClr="FFFFFF"/>
       </a:lt1>
       <a:dk2>
-        <a:srgbClr val="1F497D"/>
+        <a:srgbClr val="505046"/>
       </a:dk2>
       <a:lt2>
         <a:srgbClr val="EEECE1"/>
       </a:lt2>
       <a:accent1>
-        <a:srgbClr val="4F81BD"/>
+        <a:srgbClr val="DF5327"/>
       </a:accent1>
       <a:accent2>
-        <a:srgbClr val="C0504D"/>
+        <a:srgbClr val="FFBD47"/>
       </a:accent2>
       <a:accent3>
-        <a:srgbClr val="9BBB59"/>
+        <a:srgbClr val="B64926"/>
       </a:accent3>
       <a:accent4>
-        <a:srgbClr val="8064A2"/>
+        <a:srgbClr val="FF8427"/>
       </a:accent4>
       <a:accent5>
-        <a:srgbClr val="4BACC6"/>
+        <a:srgbClr val="CC9900"/>
       </a:accent5>
       <a:accent6>
-        <a:srgbClr val="F79646"/>
+        <a:srgbClr val="B22600"/>
       </a:accent6>
       <a:hlink>
-        <a:srgbClr val="0000FF"/>
+        <a:srgbClr val="CC9900"/>
       </a:hlink>
       <a:folHlink>
-        <a:srgbClr val="800080"/>
+        <a:srgbClr val="666699"/>
       </a:folHlink>
     </a:clrScheme>
-    <a:fontScheme name="Office">
+    <a:fontScheme name="Basis">
       <a:majorFont>
-        <a:latin typeface="Calibri"/>
+        <a:latin typeface="Corbel" panose="020B0503020204020204"/>
         <a:ea typeface=""/>
         <a:cs typeface=""/>
-        <a:font script="Jpan" typeface="ＭＳ Ｐゴシック"/>
+        <a:font script="Jpan" typeface="ＭＳ ゴシック"/>
         <a:font script="Hang" typeface="맑은 고딕"/>
         <a:font script="Hans" typeface="宋体"/>
         <a:font script="Hant" typeface="新細明體"/>
-        <a:font script="Arab" typeface="Times New Roman"/>
-        <a:font script="Hebr" typeface="Times New Roman"/>
-        <a:font script="Thai" typeface="Angsana New"/>
-        <a:font script="Ethi" typeface="Nyala"/>
-        <a:font script="Beng" typeface="Vrinda"/>
-        <a:font script="Gujr" typeface="Shruti"/>
-        <a:font script="Khmr" typeface="MoolBoran"/>
-        <a:font script="Knda" typeface="Tunga"/>
-        <a:font script="Guru" typeface="Raavi"/>
-        <a:font script="Cans" typeface="Euphemia"/>
-        <a:font script="Cher" typeface="Plantagenet Cherokee"/>
-        <a:font script="Yiii" typeface="Microsoft Yi Baiti"/>
-        <a:font script="Tibt" typeface="Microsoft Himalaya"/>
-        <a:font script="Thaa" typeface="MV Boli"/>
-        <a:font script="Deva" typeface="Mangal"/>
-        <a:font script="Telu" typeface="Gautami"/>
-        <a:font script="Taml" typeface="Latha"/>
-        <a:font script="Syrc" typeface="Estrangelo Edessa"/>
-        <a:font script="Orya" typeface="Kalinga"/>
-        <a:font script="Mlym" typeface="Kartika"/>
-        <a:font script="Laoo" typeface="DokChampa"/>
-        <a:font script="Sinh" typeface="Iskoola Pota"/>
-        <a:font script="Mong" typeface="Mongolian Baiti"/>
-        <a:font script="Viet" typeface="Times New Roman"/>
-        <a:font script="Uigh" typeface="Microsoft Uighur"/>
-        <a:font script="Geor" typeface="Sylfaen"/>
-      </a:majorFont>
-      <a:minorFont>
-        <a:latin typeface="Calibri"/>
-        <a:ea typeface=""/>
-        <a:cs typeface=""/>
-        <a:font script="Jpan" typeface="ＭＳ Ｐゴシック"/>
-        <a:font script="Hang" typeface="맑은 고딕"/>
-        <a:font script="Hans" typeface="宋体"/>
-        <a:font script="Hant" typeface="新細明體"/>
-        <a:font script="Arab" typeface="Arial"/>
-        <a:font script="Hebr" typeface="Arial"/>
-        <a:font script="Thai" typeface="Cordia New"/>
+        <a:font script="Arab" typeface="Tahoma"/>
+        <a:font script="Hebr" typeface="Gisha"/>
+        <a:font script="Thai" typeface="DilleniaUPC"/>
         <a:font script="Ethi" typeface="Nyala"/>
         <a:font script="Beng" typeface="Vrinda"/>
         <a:font script="Gujr" typeface="Shruti"/>
@@ -3641,76 +4254,94 @@
         <a:font script="Laoo" typeface="DokChampa"/>
         <a:font script="Sinh" typeface="Iskoola Pota"/>
         <a:font script="Mong" typeface="Mongolian Baiti"/>
-        <a:font script="Viet" typeface="Arial"/>
+        <a:font script="Viet" typeface="Tahoma"/>
+        <a:font script="Uigh" typeface="Microsoft Uighur"/>
+        <a:font script="Geor" typeface="Sylfaen"/>
+      </a:majorFont>
+      <a:minorFont>
+        <a:latin typeface="Corbel" panose="020B0503020204020204"/>
+        <a:ea typeface=""/>
+        <a:cs typeface=""/>
+        <a:font script="Jpan" typeface="ＭＳ ゴシック"/>
+        <a:font script="Hang" typeface="맑은 고딕"/>
+        <a:font script="Hans" typeface="宋体"/>
+        <a:font script="Hant" typeface="新細明體"/>
+        <a:font script="Arab" typeface="Tahoma"/>
+        <a:font script="Hebr" typeface="Gisha"/>
+        <a:font script="Thai" typeface="DilleniaUPC"/>
+        <a:font script="Ethi" typeface="Nyala"/>
+        <a:font script="Beng" typeface="Vrinda"/>
+        <a:font script="Gujr" typeface="Shruti"/>
+        <a:font script="Khmr" typeface="DaunPenh"/>
+        <a:font script="Knda" typeface="Tunga"/>
+        <a:font script="Guru" typeface="Raavi"/>
+        <a:font script="Cans" typeface="Euphemia"/>
+        <a:font script="Cher" typeface="Plantagenet Cherokee"/>
+        <a:font script="Yiii" typeface="Microsoft Yi Baiti"/>
+        <a:font script="Tibt" typeface="Microsoft Himalaya"/>
+        <a:font script="Thaa" typeface="MV Boli"/>
+        <a:font script="Deva" typeface="Mangal"/>
+        <a:font script="Telu" typeface="Gautami"/>
+        <a:font script="Taml" typeface="Latha"/>
+        <a:font script="Syrc" typeface="Estrangelo Edessa"/>
+        <a:font script="Orya" typeface="Kalinga"/>
+        <a:font script="Mlym" typeface="Kartika"/>
+        <a:font script="Laoo" typeface="DokChampa"/>
+        <a:font script="Sinh" typeface="Iskoola Pota"/>
+        <a:font script="Mong" typeface="Mongolian Baiti"/>
+        <a:font script="Viet" typeface="Verdana"/>
         <a:font script="Uigh" typeface="Microsoft Uighur"/>
         <a:font script="Geor" typeface="Sylfaen"/>
       </a:minorFont>
     </a:fontScheme>
-    <a:fmtScheme name="Office">
+    <a:fmtScheme name="Basis">
       <a:fillStyleLst>
         <a:solidFill>
           <a:schemeClr val="phClr"/>
         </a:solidFill>
+        <a:solidFill>
+          <a:schemeClr val="phClr">
+            <a:tint val="63000"/>
+            <a:satMod val="130000"/>
+          </a:schemeClr>
+        </a:solidFill>
         <a:gradFill rotWithShape="1">
           <a:gsLst>
             <a:gs pos="0">
+              <a:schemeClr val="phClr"/>
+            </a:gs>
+            <a:gs pos="90000">
               <a:schemeClr val="phClr">
-                <a:tint val="50000"/>
-                <a:satMod val="300000"/>
-              </a:schemeClr>
-            </a:gs>
-            <a:gs pos="35000">
-              <a:schemeClr val="phClr">
-                <a:tint val="37000"/>
-                <a:satMod val="300000"/>
+                <a:shade val="100000"/>
+                <a:satMod val="105000"/>
               </a:schemeClr>
             </a:gs>
             <a:gs pos="100000">
               <a:schemeClr val="phClr">
-                <a:tint val="15000"/>
-                <a:satMod val="350000"/>
+                <a:shade val="80000"/>
+                <a:satMod val="120000"/>
               </a:schemeClr>
             </a:gs>
           </a:gsLst>
-          <a:lin ang="16200000" scaled="1"/>
-        </a:gradFill>
-        <a:gradFill rotWithShape="1">
-          <a:gsLst>
-            <a:gs pos="0">
-              <a:schemeClr val="phClr">
-                <a:tint val="100000"/>
-                <a:shade val="100000"/>
-                <a:satMod val="130000"/>
-              </a:schemeClr>
-            </a:gs>
-            <a:gs pos="100000">
-              <a:schemeClr val="phClr">
-                <a:tint val="50000"/>
-                <a:shade val="100000"/>
-                <a:satMod val="350000"/>
-              </a:schemeClr>
-            </a:gs>
-          </a:gsLst>
-          <a:lin ang="16200000" scaled="0"/>
+          <a:path path="circle">
+            <a:fillToRect l="100000" t="100000" r="100000" b="100000"/>
+          </a:path>
         </a:gradFill>
       </a:fillStyleLst>
       <a:lnStyleLst>
-        <a:ln w="9525" cap="flat" cmpd="sng" algn="ctr">
-          <a:solidFill>
-            <a:schemeClr val="phClr">
-              <a:shade val="95000"/>
-              <a:satMod val="105000"/>
-            </a:schemeClr>
-          </a:solidFill>
-          <a:prstDash val="solid"/>
-        </a:ln>
-        <a:ln w="25400" cap="flat" cmpd="sng" algn="ctr">
+        <a:ln w="10000" cap="flat" cmpd="sng" algn="ctr">
           <a:solidFill>
             <a:schemeClr val="phClr"/>
           </a:solidFill>
           <a:prstDash val="solid"/>
         </a:ln>
-        <a:ln w="38100" cap="flat" cmpd="sng" algn="ctr">
+        <a:ln w="19050" cap="flat" cmpd="sng" algn="ctr">
+          <a:solidFill>
+            <a:schemeClr val="phClr"/>
+          </a:solidFill>
+          <a:prstDash val="solid"/>
+        </a:ln>
+        <a:ln w="53975" cap="flat" cmpd="dbl" algn="ctr">
           <a:solidFill>
             <a:schemeClr val="phClr"/>
           </a:solidFill>
@@ -3719,28 +4350,22 @@
       </a:lnStyleLst>
       <a:effectStyleLst>
         <a:effectStyle>
+          <a:effectLst/>
+        </a:effectStyle>
+        <a:effectStyle>
           <a:effectLst>
-            <a:outerShdw blurRad="40000" dist="20000" dir="5400000" rotWithShape="0">
+            <a:outerShdw blurRad="38100" dist="25400" dir="5400000" rotWithShape="0">
               <a:srgbClr val="000000">
-                <a:alpha val="38000"/>
+                <a:alpha val="45000"/>
               </a:srgbClr>
             </a:outerShdw>
           </a:effectLst>
         </a:effectStyle>
         <a:effectStyle>
           <a:effectLst>
-            <a:outerShdw blurRad="40000" dist="23000" dir="5400000" rotWithShape="0">
+            <a:outerShdw blurRad="38100" dist="25400" dir="5400000" rotWithShape="0">
               <a:srgbClr val="000000">
-                <a:alpha val="35000"/>
-              </a:srgbClr>
-            </a:outerShdw>
-          </a:effectLst>
-        </a:effectStyle>
-        <a:effectStyle>
-          <a:effectLst>
-            <a:outerShdw blurRad="40000" dist="23000" dir="5400000" rotWithShape="0">
-              <a:srgbClr val="000000">
-                <a:alpha val="35000"/>
+                <a:alpha val="45000"/>
               </a:srgbClr>
             </a:outerShdw>
           </a:effectLst>
@@ -3748,12 +4373,16 @@
             <a:camera prst="orthographicFront">
               <a:rot lat="0" lon="0" rev="0"/>
             </a:camera>
-            <a:lightRig rig="threePt" dir="t">
-              <a:rot lat="0" lon="0" rev="1200000"/>
-            </a:lightRig>
+            <a:lightRig rig="brightRoom" dir="t"/>
           </a:scene3d>
-          <a:sp3d>
-            <a:bevelT w="63500" h="25400"/>
+          <a:sp3d extrusionH="12700" contourW="25400" prstMaterial="flat">
+            <a:bevelT w="63500" h="152400" prst="angle"/>
+            <a:contourClr>
+              <a:schemeClr val="phClr">
+                <a:shade val="27000"/>
+                <a:satMod val="120000"/>
+              </a:schemeClr>
+            </a:contourClr>
           </a:sp3d>
         </a:effectStyle>
       </a:effectStyleLst>
@@ -3761,95 +4390,31 @@
         <a:solidFill>
           <a:schemeClr val="phClr"/>
         </a:solidFill>
-        <a:gradFill rotWithShape="1">
-          <a:gsLst>
-            <a:gs pos="0">
-              <a:schemeClr val="phClr">
-                <a:tint val="40000"/>
-                <a:satMod val="350000"/>
-              </a:schemeClr>
-            </a:gs>
-            <a:gs pos="40000">
-              <a:schemeClr val="phClr">
-                <a:tint val="45000"/>
-                <a:shade val="99000"/>
-                <a:satMod val="350000"/>
-              </a:schemeClr>
-            </a:gs>
-            <a:gs pos="100000">
-              <a:schemeClr val="phClr">
-                <a:shade val="20000"/>
-                <a:satMod val="255000"/>
-              </a:schemeClr>
-            </a:gs>
-          </a:gsLst>
-          <a:path path="circle">
-            <a:fillToRect l="50000" t="-80000" r="50000" b="180000"/>
-          </a:path>
-        </a:gradFill>
-        <a:gradFill rotWithShape="1">
-          <a:gsLst>
-            <a:gs pos="0">
-              <a:schemeClr val="phClr">
-                <a:tint val="80000"/>
-                <a:satMod val="300000"/>
-              </a:schemeClr>
-            </a:gs>
-            <a:gs pos="100000">
-              <a:schemeClr val="phClr">
-                <a:shade val="30000"/>
-                <a:satMod val="200000"/>
-              </a:schemeClr>
-            </a:gs>
-          </a:gsLst>
-          <a:path path="circle">
-            <a:fillToRect l="50000" t="50000" r="50000" b="50000"/>
-          </a:path>
-        </a:gradFill>
+        <a:solidFill>
+          <a:schemeClr val="phClr">
+            <a:tint val="95000"/>
+            <a:shade val="95000"/>
+            <a:satMod val="140000"/>
+          </a:schemeClr>
+        </a:solidFill>
+        <a:solidFill>
+          <a:schemeClr val="phClr">
+            <a:tint val="90000"/>
+            <a:shade val="85000"/>
+            <a:satMod val="160000"/>
+            <a:lumMod val="110000"/>
+          </a:schemeClr>
+        </a:solidFill>
       </a:bgFillStyleLst>
     </a:fmtScheme>
   </a:themeElements>
-  <a:objectDefaults>
-    <a:spDef>
-      <a:spPr/>
-      <a:bodyPr/>
-      <a:lstStyle/>
-      <a:style>
-        <a:lnRef idx="1">
-          <a:schemeClr val="accent1"/>
-        </a:lnRef>
-        <a:fillRef idx="3">
-          <a:schemeClr val="accent1"/>
-        </a:fillRef>
-        <a:effectRef idx="2">
-          <a:schemeClr val="accent1"/>
-        </a:effectRef>
-        <a:fontRef idx="minor">
-          <a:schemeClr val="lt1"/>
-        </a:fontRef>
-      </a:style>
-    </a:spDef>
-    <a:lnDef>
-      <a:spPr/>
-      <a:bodyPr/>
-      <a:lstStyle/>
-      <a:style>
-        <a:lnRef idx="2">
-          <a:schemeClr val="accent1"/>
-        </a:lnRef>
-        <a:fillRef idx="0">
-          <a:schemeClr val="accent1"/>
-        </a:fillRef>
-        <a:effectRef idx="1">
-          <a:schemeClr val="accent1"/>
-        </a:effectRef>
-        <a:fontRef idx="minor">
-          <a:schemeClr val="tx1"/>
-        </a:fontRef>
-      </a:style>
-    </a:lnDef>
-  </a:objectDefaults>
+  <a:objectDefaults/>
   <a:extraClrSchemeLst/>
+  <a:extLst>
+    <a:ext uri="{05A4C25C-085E-4340-85A3-A5531E510DB2}">
+      <thm15:themeFamily xmlns:thm15="http://schemas.microsoft.com/office/thememl/2012/main" name="Basis" id="{5665723A-49BA-4B57-8411-A56F8F207965}" vid="{446C221D-F63F-4DD8-B509-CFE168687BF2}"/>
+    </a:ext>
+  </a:extLst>
 </a:theme>
 </file>
 
